--- a/ppt用/Cycloid Reducer 1123.pptx
+++ b/ppt用/Cycloid Reducer 1123.pptx
@@ -5,10 +5,10 @@
     <p:sldMasterId id="2147483648" r:id="rId1"/>
   </p:sldMasterIdLst>
   <p:notesMasterIdLst>
-    <p:notesMasterId r:id="rId18"/>
+    <p:notesMasterId r:id="rId20"/>
   </p:notesMasterIdLst>
   <p:handoutMasterIdLst>
-    <p:handoutMasterId r:id="rId19"/>
+    <p:handoutMasterId r:id="rId21"/>
   </p:handoutMasterIdLst>
   <p:sldIdLst>
     <p:sldId id="256" r:id="rId2"/>
@@ -23,10 +23,12 @@
     <p:sldId id="296" r:id="rId11"/>
     <p:sldId id="290" r:id="rId12"/>
     <p:sldId id="289" r:id="rId13"/>
-    <p:sldId id="293" r:id="rId14"/>
-    <p:sldId id="292" r:id="rId15"/>
-    <p:sldId id="294" r:id="rId16"/>
-    <p:sldId id="271" r:id="rId17"/>
+    <p:sldId id="297" r:id="rId14"/>
+    <p:sldId id="293" r:id="rId15"/>
+    <p:sldId id="292" r:id="rId16"/>
+    <p:sldId id="294" r:id="rId17"/>
+    <p:sldId id="298" r:id="rId18"/>
+    <p:sldId id="271" r:id="rId19"/>
   </p:sldIdLst>
   <p:sldSz cx="12192000" cy="6858000"/>
   <p:notesSz cx="6858000" cy="9144000"/>
@@ -230,7 +232,7 @@
           <a:p>
             <a:fld id="{5014826B-021B-41E8-A6C1-DF845C99CD6D}" type="datetimeFigureOut">
               <a:rPr lang="zh-TW" altLang="en-US" smtClean="0"/>
-              <a:t>2023/11/23</a:t>
+              <a:t>2023/11/24</a:t>
             </a:fld>
             <a:endParaRPr lang="zh-TW" altLang="en-US"/>
           </a:p>
@@ -407,7 +409,7 @@
           <a:p>
             <a:fld id="{9E613407-FE26-4FBF-A17D-E56551876984}" type="datetimeFigureOut">
               <a:rPr lang="zh-TW" altLang="en-US" smtClean="0"/>
-              <a:t>2023/11/23</a:t>
+              <a:t>2023/11/24</a:t>
             </a:fld>
             <a:endParaRPr lang="zh-TW" altLang="en-US"/>
           </a:p>
@@ -821,7 +823,7 @@
           <a:p>
             <a:fld id="{6A2816A1-3379-4234-AB7C-8EFD0217C7A3}" type="datetime1">
               <a:rPr lang="zh-TW" altLang="en-US" smtClean="0"/>
-              <a:t>2023/11/23</a:t>
+              <a:t>2023/11/24</a:t>
             </a:fld>
             <a:endParaRPr lang="zh-TW" altLang="en-US"/>
           </a:p>
@@ -1023,7 +1025,7 @@
           <a:p>
             <a:fld id="{5C2A7DF1-61AD-467F-A30F-94FA55FC7E89}" type="datetime1">
               <a:rPr lang="zh-TW" altLang="en-US" smtClean="0"/>
-              <a:t>2023/11/23</a:t>
+              <a:t>2023/11/24</a:t>
             </a:fld>
             <a:endParaRPr lang="zh-TW" altLang="en-US"/>
           </a:p>
@@ -1235,7 +1237,7 @@
           <a:p>
             <a:fld id="{8715B1C6-B0A1-4750-A4B4-0FDB628B1ACF}" type="datetime1">
               <a:rPr lang="zh-TW" altLang="en-US" smtClean="0"/>
-              <a:t>2023/11/23</a:t>
+              <a:t>2023/11/24</a:t>
             </a:fld>
             <a:endParaRPr lang="zh-TW" altLang="en-US"/>
           </a:p>
@@ -1718,7 +1720,7 @@
           <a:p>
             <a:fld id="{472AA555-6D18-494A-808B-4BFECDC5C9DC}" type="datetime1">
               <a:rPr lang="zh-TW" altLang="en-US" smtClean="0"/>
-              <a:t>2023/11/23</a:t>
+              <a:t>2023/11/24</a:t>
             </a:fld>
             <a:endParaRPr lang="zh-TW" altLang="en-US"/>
           </a:p>
@@ -1987,7 +1989,7 @@
           <a:p>
             <a:fld id="{CCCF62A8-3DC3-42C9-8216-C70A05D42A97}" type="datetime1">
               <a:rPr lang="zh-TW" altLang="en-US" smtClean="0"/>
-              <a:t>2023/11/23</a:t>
+              <a:t>2023/11/24</a:t>
             </a:fld>
             <a:endParaRPr lang="zh-TW" altLang="en-US"/>
           </a:p>
@@ -2403,7 +2405,7 @@
           <a:p>
             <a:fld id="{E3AE35F5-8105-48B5-AF50-67976F64BDB6}" type="datetime1">
               <a:rPr lang="zh-TW" altLang="en-US" smtClean="0"/>
-              <a:t>2023/11/23</a:t>
+              <a:t>2023/11/24</a:t>
             </a:fld>
             <a:endParaRPr lang="zh-TW" altLang="en-US"/>
           </a:p>
@@ -2548,7 +2550,7 @@
           <a:p>
             <a:fld id="{56358D34-78E1-4482-8B17-C6B5B1717A1E}" type="datetime1">
               <a:rPr lang="zh-TW" altLang="en-US" smtClean="0"/>
-              <a:t>2023/11/23</a:t>
+              <a:t>2023/11/24</a:t>
             </a:fld>
             <a:endParaRPr lang="zh-TW" altLang="en-US"/>
           </a:p>
@@ -2665,7 +2667,7 @@
           <a:p>
             <a:fld id="{F3D4B6DE-D291-4D9F-A42B-293C76D81C72}" type="datetime1">
               <a:rPr lang="zh-TW" altLang="en-US" smtClean="0"/>
-              <a:t>2023/11/23</a:t>
+              <a:t>2023/11/24</a:t>
             </a:fld>
             <a:endParaRPr lang="zh-TW" altLang="en-US"/>
           </a:p>
@@ -2980,7 +2982,7 @@
           <a:p>
             <a:fld id="{093692EB-6F98-4CC0-8482-0ED4AC9D3EF6}" type="datetime1">
               <a:rPr lang="zh-TW" altLang="en-US" smtClean="0"/>
-              <a:t>2023/11/23</a:t>
+              <a:t>2023/11/24</a:t>
             </a:fld>
             <a:endParaRPr lang="zh-TW" altLang="en-US"/>
           </a:p>
@@ -3272,7 +3274,7 @@
           <a:p>
             <a:fld id="{FC314576-4488-4CC7-A1B8-6A39652E5EDE}" type="datetime1">
               <a:rPr lang="zh-TW" altLang="en-US" smtClean="0"/>
-              <a:t>2023/11/23</a:t>
+              <a:t>2023/11/24</a:t>
             </a:fld>
             <a:endParaRPr lang="zh-TW" altLang="en-US"/>
           </a:p>
@@ -3517,7 +3519,7 @@
           <a:p>
             <a:fld id="{4FEE8841-5538-495A-8947-DFF7EC68ED43}" type="datetime1">
               <a:rPr lang="zh-TW" altLang="en-US" smtClean="0"/>
-              <a:t>2023/11/23</a:t>
+              <a:t>2023/11/24</a:t>
             </a:fld>
             <a:endParaRPr lang="zh-TW" altLang="en-US"/>
           </a:p>
@@ -4088,35 +4090,48 @@
           <a:bodyPr/>
           <a:lstStyle/>
           <a:p>
-            <a:endParaRPr lang="zh-TW" altLang="en-US"/>
-          </a:p>
-        </p:txBody>
-      </p:sp>
-      <p:sp>
-        <p:nvSpPr>
-          <p:cNvPr id="3" name="內容版面配置區 2">
-            <a:extLst>
-              <a:ext uri="{FF2B5EF4-FFF2-40B4-BE49-F238E27FC236}">
-                <a16:creationId xmlns:a16="http://schemas.microsoft.com/office/drawing/2014/main" id="{53B6CCAD-6E66-4972-2F0B-5BA345E0FAC5}"/>
-              </a:ext>
-            </a:extLst>
-          </p:cNvPr>
-          <p:cNvSpPr>
-            <a:spLocks noGrp="1"/>
-          </p:cNvSpPr>
+            <a:r>
+              <a:rPr lang="zh-TW" altLang="en-US" dirty="0"/>
+              <a:t>強調週期 圈齒</a:t>
+            </a:r>
+          </a:p>
+        </p:txBody>
+      </p:sp>
+      <p:pic>
+        <p:nvPicPr>
+          <p:cNvPr id="7" name="內容版面配置區 6">
+            <a:extLst>
+              <a:ext uri="{FF2B5EF4-FFF2-40B4-BE49-F238E27FC236}">
+                <a16:creationId xmlns:a16="http://schemas.microsoft.com/office/drawing/2014/main" id="{8957A56C-7CEA-1536-F1E2-8981ADE311E1}"/>
+              </a:ext>
+            </a:extLst>
+          </p:cNvPr>
+          <p:cNvPicPr>
+            <a:picLocks noGrp="1" noChangeAspect="1"/>
+          </p:cNvPicPr>
           <p:nvPr>
             <p:ph idx="1"/>
           </p:nvPr>
-        </p:nvSpPr>
-        <p:spPr/>
-        <p:txBody>
-          <a:bodyPr/>
-          <a:lstStyle/>
-          <a:p>
-            <a:endParaRPr lang="zh-TW" altLang="en-US"/>
-          </a:p>
-        </p:txBody>
-      </p:sp>
+        </p:nvPicPr>
+        <p:blipFill>
+          <a:blip r:embed="rId2">
+            <a:extLst>
+              <a:ext uri="{28A0092B-C50C-407E-A947-70E740481C1C}">
+                <a14:useLocalDpi xmlns:a14="http://schemas.microsoft.com/office/drawing/2010/main" val="0"/>
+              </a:ext>
+            </a:extLst>
+          </a:blip>
+          <a:stretch>
+            <a:fillRect/>
+          </a:stretch>
+        </p:blipFill>
+        <p:spPr>
+          <a:xfrm>
+            <a:off x="3195108" y="1825625"/>
+            <a:ext cx="5801784" cy="4351338"/>
+          </a:xfrm>
+        </p:spPr>
+      </p:pic>
       <p:sp>
         <p:nvSpPr>
           <p:cNvPr id="4" name="頁尾版面配置區 3">
@@ -4533,7 +4548,7 @@
           <p:cNvPr id="2" name="標題 1">
             <a:extLst>
               <a:ext uri="{FF2B5EF4-FFF2-40B4-BE49-F238E27FC236}">
-                <a16:creationId xmlns:a16="http://schemas.microsoft.com/office/drawing/2014/main" id="{8F9085FA-CA2A-C197-4AA6-C5793836311F}"/>
+                <a16:creationId xmlns:a16="http://schemas.microsoft.com/office/drawing/2014/main" id="{4142F0AE-ACCB-5D60-1950-57E32ED146DA}"/>
               </a:ext>
             </a:extLst>
           </p:cNvPr>
@@ -4553,37 +4568,47 @@
           </a:p>
         </p:txBody>
       </p:sp>
-      <p:sp>
-        <p:nvSpPr>
-          <p:cNvPr id="3" name="內容版面配置區 2">
-            <a:extLst>
-              <a:ext uri="{FF2B5EF4-FFF2-40B4-BE49-F238E27FC236}">
-                <a16:creationId xmlns:a16="http://schemas.microsoft.com/office/drawing/2014/main" id="{23BAC45C-968F-BDC1-CF42-8411223D40C1}"/>
-              </a:ext>
-            </a:extLst>
-          </p:cNvPr>
-          <p:cNvSpPr>
-            <a:spLocks noGrp="1"/>
-          </p:cNvSpPr>
+      <p:pic>
+        <p:nvPicPr>
+          <p:cNvPr id="7" name="內容版面配置區 6">
+            <a:extLst>
+              <a:ext uri="{FF2B5EF4-FFF2-40B4-BE49-F238E27FC236}">
+                <a16:creationId xmlns:a16="http://schemas.microsoft.com/office/drawing/2014/main" id="{B3C898AA-FEA4-481A-F24F-FFE5777C5289}"/>
+              </a:ext>
+            </a:extLst>
+          </p:cNvPr>
+          <p:cNvPicPr>
+            <a:picLocks noGrp="1" noChangeAspect="1"/>
+          </p:cNvPicPr>
           <p:nvPr>
             <p:ph idx="1"/>
           </p:nvPr>
-        </p:nvSpPr>
-        <p:spPr/>
-        <p:txBody>
-          <a:bodyPr/>
-          <a:lstStyle/>
-          <a:p>
-            <a:endParaRPr lang="zh-TW" altLang="en-US"/>
-          </a:p>
-        </p:txBody>
-      </p:sp>
+        </p:nvPicPr>
+        <p:blipFill>
+          <a:blip r:embed="rId2">
+            <a:extLst>
+              <a:ext uri="{28A0092B-C50C-407E-A947-70E740481C1C}">
+                <a14:useLocalDpi xmlns:a14="http://schemas.microsoft.com/office/drawing/2010/main" val="0"/>
+              </a:ext>
+            </a:extLst>
+          </a:blip>
+          <a:stretch>
+            <a:fillRect/>
+          </a:stretch>
+        </p:blipFill>
+        <p:spPr>
+          <a:xfrm>
+            <a:off x="3195108" y="1825625"/>
+            <a:ext cx="5801784" cy="4351338"/>
+          </a:xfrm>
+        </p:spPr>
+      </p:pic>
       <p:sp>
         <p:nvSpPr>
           <p:cNvPr id="4" name="頁尾版面配置區 3">
             <a:extLst>
               <a:ext uri="{FF2B5EF4-FFF2-40B4-BE49-F238E27FC236}">
-                <a16:creationId xmlns:a16="http://schemas.microsoft.com/office/drawing/2014/main" id="{4AF8BC6F-6588-4446-1858-F98EA0CED6C0}"/>
+                <a16:creationId xmlns:a16="http://schemas.microsoft.com/office/drawing/2014/main" id="{9245E03B-46A5-06B0-456E-54AEB7C29659}"/>
               </a:ext>
             </a:extLst>
           </p:cNvPr>
@@ -4612,7 +4637,7 @@
           <p:cNvPr id="5" name="投影片編號版面配置區 4">
             <a:extLst>
               <a:ext uri="{FF2B5EF4-FFF2-40B4-BE49-F238E27FC236}">
-                <a16:creationId xmlns:a16="http://schemas.microsoft.com/office/drawing/2014/main" id="{CA774DA2-47BB-9E6E-4B42-0C02B567F19F}"/>
+                <a16:creationId xmlns:a16="http://schemas.microsoft.com/office/drawing/2014/main" id="{2A1C3794-792D-0DDB-312C-7A1831AD12D6}"/>
               </a:ext>
             </a:extLst>
           </p:cNvPr>
@@ -4632,6 +4657,145 @@
               <a:rPr lang="zh-TW" altLang="en-US" smtClean="0"/>
               <a:pPr/>
               <a:t>13</a:t>
+            </a:fld>
+            <a:endParaRPr lang="zh-TW" altLang="en-US" dirty="0"/>
+          </a:p>
+        </p:txBody>
+      </p:sp>
+    </p:spTree>
+    <p:extLst>
+      <p:ext uri="{BB962C8B-B14F-4D97-AF65-F5344CB8AC3E}">
+        <p14:creationId xmlns:p14="http://schemas.microsoft.com/office/powerpoint/2010/main" val="2164490297"/>
+      </p:ext>
+    </p:extLst>
+  </p:cSld>
+  <p:clrMapOvr>
+    <a:masterClrMapping/>
+  </p:clrMapOvr>
+</p:sld>
+</file>
+
+<file path=ppt/slides/slide14.xml><?xml version="1.0" encoding="utf-8"?>
+<p:sld xmlns:a="http://schemas.openxmlformats.org/drawingml/2006/main" xmlns:r="http://schemas.openxmlformats.org/officeDocument/2006/relationships" xmlns:p="http://schemas.openxmlformats.org/presentationml/2006/main">
+  <p:cSld>
+    <p:spTree>
+      <p:nvGrpSpPr>
+        <p:cNvPr id="1" name=""/>
+        <p:cNvGrpSpPr/>
+        <p:nvPr/>
+      </p:nvGrpSpPr>
+      <p:grpSpPr>
+        <a:xfrm>
+          <a:off x="0" y="0"/>
+          <a:ext cx="0" cy="0"/>
+          <a:chOff x="0" y="0"/>
+          <a:chExt cx="0" cy="0"/>
+        </a:xfrm>
+      </p:grpSpPr>
+      <p:sp>
+        <p:nvSpPr>
+          <p:cNvPr id="2" name="標題 1">
+            <a:extLst>
+              <a:ext uri="{FF2B5EF4-FFF2-40B4-BE49-F238E27FC236}">
+                <a16:creationId xmlns:a16="http://schemas.microsoft.com/office/drawing/2014/main" id="{8F9085FA-CA2A-C197-4AA6-C5793836311F}"/>
+              </a:ext>
+            </a:extLst>
+          </p:cNvPr>
+          <p:cNvSpPr>
+            <a:spLocks noGrp="1"/>
+          </p:cNvSpPr>
+          <p:nvPr>
+            <p:ph type="title"/>
+          </p:nvPr>
+        </p:nvSpPr>
+        <p:spPr/>
+        <p:txBody>
+          <a:bodyPr/>
+          <a:lstStyle/>
+          <a:p>
+            <a:endParaRPr lang="zh-TW" altLang="en-US"/>
+          </a:p>
+        </p:txBody>
+      </p:sp>
+      <p:sp>
+        <p:nvSpPr>
+          <p:cNvPr id="3" name="內容版面配置區 2">
+            <a:extLst>
+              <a:ext uri="{FF2B5EF4-FFF2-40B4-BE49-F238E27FC236}">
+                <a16:creationId xmlns:a16="http://schemas.microsoft.com/office/drawing/2014/main" id="{23BAC45C-968F-BDC1-CF42-8411223D40C1}"/>
+              </a:ext>
+            </a:extLst>
+          </p:cNvPr>
+          <p:cNvSpPr>
+            <a:spLocks noGrp="1"/>
+          </p:cNvSpPr>
+          <p:nvPr>
+            <p:ph idx="1"/>
+          </p:nvPr>
+        </p:nvSpPr>
+        <p:spPr/>
+        <p:txBody>
+          <a:bodyPr/>
+          <a:lstStyle/>
+          <a:p>
+            <a:endParaRPr lang="zh-TW" altLang="en-US"/>
+          </a:p>
+        </p:txBody>
+      </p:sp>
+      <p:sp>
+        <p:nvSpPr>
+          <p:cNvPr id="4" name="頁尾版面配置區 3">
+            <a:extLst>
+              <a:ext uri="{FF2B5EF4-FFF2-40B4-BE49-F238E27FC236}">
+                <a16:creationId xmlns:a16="http://schemas.microsoft.com/office/drawing/2014/main" id="{4AF8BC6F-6588-4446-1858-F98EA0CED6C0}"/>
+              </a:ext>
+            </a:extLst>
+          </p:cNvPr>
+          <p:cNvSpPr>
+            <a:spLocks noGrp="1"/>
+          </p:cNvSpPr>
+          <p:nvPr>
+            <p:ph type="ftr" sz="quarter" idx="11"/>
+          </p:nvPr>
+        </p:nvSpPr>
+        <p:spPr/>
+        <p:txBody>
+          <a:bodyPr/>
+          <a:lstStyle/>
+          <a:p>
+            <a:r>
+              <a:rPr lang="en-US" altLang="zh-TW"/>
+              <a:t>Joong-Ho Shin, Soon-Man Kwon (2006). On the lobe profile design in a cycloid reducer using instant velocity center.  Mechanism and Machine Theory , 41,  596–616</a:t>
+            </a:r>
+            <a:endParaRPr lang="zh-TW" altLang="en-US" dirty="0"/>
+          </a:p>
+        </p:txBody>
+      </p:sp>
+      <p:sp>
+        <p:nvSpPr>
+          <p:cNvPr id="5" name="投影片編號版面配置區 4">
+            <a:extLst>
+              <a:ext uri="{FF2B5EF4-FFF2-40B4-BE49-F238E27FC236}">
+                <a16:creationId xmlns:a16="http://schemas.microsoft.com/office/drawing/2014/main" id="{CA774DA2-47BB-9E6E-4B42-0C02B567F19F}"/>
+              </a:ext>
+            </a:extLst>
+          </p:cNvPr>
+          <p:cNvSpPr>
+            <a:spLocks noGrp="1"/>
+          </p:cNvSpPr>
+          <p:nvPr>
+            <p:ph type="sldNum" sz="quarter" idx="12"/>
+          </p:nvPr>
+        </p:nvSpPr>
+        <p:spPr/>
+        <p:txBody>
+          <a:bodyPr/>
+          <a:lstStyle/>
+          <a:p>
+            <a:fld id="{C6C6DF20-F6C2-4320-A0BE-6B55CFF1C783}" type="slidenum">
+              <a:rPr lang="zh-TW" altLang="en-US" smtClean="0"/>
+              <a:pPr/>
+              <a:t>14</a:t>
             </a:fld>
             <a:endParaRPr lang="zh-TW" altLang="en-US" dirty="0"/>
           </a:p>
@@ -4680,7 +4844,7 @@
 </p:sld>
 </file>
 
-<file path=ppt/slides/slide14.xml><?xml version="1.0" encoding="utf-8"?>
+<file path=ppt/slides/slide15.xml><?xml version="1.0" encoding="utf-8"?>
 <p:sld xmlns:a="http://schemas.openxmlformats.org/drawingml/2006/main" xmlns:r="http://schemas.openxmlformats.org/officeDocument/2006/relationships" xmlns:p="http://schemas.openxmlformats.org/presentationml/2006/main">
   <p:cSld>
     <p:spTree>
@@ -4800,7 +4964,7 @@
             <a:fld id="{C6C6DF20-F6C2-4320-A0BE-6B55CFF1C783}" type="slidenum">
               <a:rPr lang="zh-TW" altLang="en-US" smtClean="0"/>
               <a:pPr/>
-              <a:t>14</a:t>
+              <a:t>15</a:t>
             </a:fld>
             <a:endParaRPr lang="zh-TW" altLang="en-US" dirty="0"/>
           </a:p>
@@ -4849,7 +5013,7 @@
 </p:sld>
 </file>
 
-<file path=ppt/slides/slide15.xml><?xml version="1.0" encoding="utf-8"?>
+<file path=ppt/slides/slide16.xml><?xml version="1.0" encoding="utf-8"?>
 <p:sld xmlns:a="http://schemas.openxmlformats.org/drawingml/2006/main" xmlns:r="http://schemas.openxmlformats.org/officeDocument/2006/relationships" xmlns:p="http://schemas.openxmlformats.org/presentationml/2006/main">
   <p:cSld>
     <p:spTree>
@@ -4969,7 +5133,7 @@
             <a:fld id="{C6C6DF20-F6C2-4320-A0BE-6B55CFF1C783}" type="slidenum">
               <a:rPr lang="zh-TW" altLang="en-US" smtClean="0"/>
               <a:pPr/>
-              <a:t>15</a:t>
+              <a:t>16</a:t>
             </a:fld>
             <a:endParaRPr lang="zh-TW" altLang="en-US" dirty="0"/>
           </a:p>
@@ -5018,7 +5182,7 @@
 </p:sld>
 </file>
 
-<file path=ppt/slides/slide16.xml><?xml version="1.0" encoding="utf-8"?>
+<file path=ppt/slides/slide17.xml><?xml version="1.0" encoding="utf-8"?>
 <p:sld xmlns:a="http://schemas.openxmlformats.org/drawingml/2006/main" xmlns:r="http://schemas.openxmlformats.org/officeDocument/2006/relationships" xmlns:p="http://schemas.openxmlformats.org/presentationml/2006/main">
   <p:cSld>
     <p:spTree>
@@ -5040,6 +5204,243 @@
           <p:cNvPr id="2" name="標題 1">
             <a:extLst>
               <a:ext uri="{FF2B5EF4-FFF2-40B4-BE49-F238E27FC236}">
+                <a16:creationId xmlns:a16="http://schemas.microsoft.com/office/drawing/2014/main" id="{396E2C5E-78A3-43D3-5A2B-9DFDC9CA58E3}"/>
+              </a:ext>
+            </a:extLst>
+          </p:cNvPr>
+          <p:cNvSpPr>
+            <a:spLocks noGrp="1"/>
+          </p:cNvSpPr>
+          <p:nvPr>
+            <p:ph type="title"/>
+          </p:nvPr>
+        </p:nvSpPr>
+        <p:spPr/>
+        <p:txBody>
+          <a:bodyPr/>
+          <a:lstStyle/>
+          <a:p>
+            <a:r>
+              <a:rPr lang="zh-TW" altLang="en-US" dirty="0"/>
+              <a:t>接觸比</a:t>
+            </a:r>
+          </a:p>
+        </p:txBody>
+      </p:sp>
+      <p:sp>
+        <p:nvSpPr>
+          <p:cNvPr id="4" name="頁尾版面配置區 3">
+            <a:extLst>
+              <a:ext uri="{FF2B5EF4-FFF2-40B4-BE49-F238E27FC236}">
+                <a16:creationId xmlns:a16="http://schemas.microsoft.com/office/drawing/2014/main" id="{A2C34D32-E7F1-5CF2-5093-78C9BEBB93B0}"/>
+              </a:ext>
+            </a:extLst>
+          </p:cNvPr>
+          <p:cNvSpPr>
+            <a:spLocks noGrp="1"/>
+          </p:cNvSpPr>
+          <p:nvPr>
+            <p:ph type="ftr" sz="quarter" idx="11"/>
+          </p:nvPr>
+        </p:nvSpPr>
+        <p:spPr/>
+        <p:txBody>
+          <a:bodyPr/>
+          <a:lstStyle/>
+          <a:p>
+            <a:r>
+              <a:rPr lang="en-US" altLang="zh-TW"/>
+              <a:t>Joong-Ho Shin, Soon-Man Kwon (2006). On the lobe profile design in a cycloid reducer using instant velocity center.  Mechanism and Machine Theory , 41,  596–616</a:t>
+            </a:r>
+            <a:endParaRPr lang="zh-TW" altLang="en-US" dirty="0"/>
+          </a:p>
+        </p:txBody>
+      </p:sp>
+      <p:sp>
+        <p:nvSpPr>
+          <p:cNvPr id="5" name="投影片編號版面配置區 4">
+            <a:extLst>
+              <a:ext uri="{FF2B5EF4-FFF2-40B4-BE49-F238E27FC236}">
+                <a16:creationId xmlns:a16="http://schemas.microsoft.com/office/drawing/2014/main" id="{CDADB9F8-7B7E-F508-9805-AAF165C1D284}"/>
+              </a:ext>
+            </a:extLst>
+          </p:cNvPr>
+          <p:cNvSpPr>
+            <a:spLocks noGrp="1"/>
+          </p:cNvSpPr>
+          <p:nvPr>
+            <p:ph type="sldNum" sz="quarter" idx="12"/>
+          </p:nvPr>
+        </p:nvSpPr>
+        <p:spPr/>
+        <p:txBody>
+          <a:bodyPr/>
+          <a:lstStyle/>
+          <a:p>
+            <a:fld id="{C6C6DF20-F6C2-4320-A0BE-6B55CFF1C783}" type="slidenum">
+              <a:rPr lang="zh-TW" altLang="en-US" smtClean="0"/>
+              <a:pPr/>
+              <a:t>17</a:t>
+            </a:fld>
+            <a:endParaRPr lang="zh-TW" altLang="en-US" dirty="0"/>
+          </a:p>
+        </p:txBody>
+      </p:sp>
+      <p:pic>
+        <p:nvPicPr>
+          <p:cNvPr id="7" name="圖片 6">
+            <a:extLst>
+              <a:ext uri="{FF2B5EF4-FFF2-40B4-BE49-F238E27FC236}">
+                <a16:creationId xmlns:a16="http://schemas.microsoft.com/office/drawing/2014/main" id="{45C5BB22-5218-3848-78A7-F7AC4C57583F}"/>
+              </a:ext>
+            </a:extLst>
+          </p:cNvPr>
+          <p:cNvPicPr>
+            <a:picLocks noChangeAspect="1"/>
+          </p:cNvPicPr>
+          <p:nvPr/>
+        </p:nvPicPr>
+        <p:blipFill>
+          <a:blip r:embed="rId2"/>
+          <a:stretch>
+            <a:fillRect/>
+          </a:stretch>
+        </p:blipFill>
+        <p:spPr>
+          <a:xfrm>
+            <a:off x="442177" y="2199803"/>
+            <a:ext cx="5319221" cy="3139712"/>
+          </a:xfrm>
+          <a:prstGeom prst="rect">
+            <a:avLst/>
+          </a:prstGeom>
+        </p:spPr>
+      </p:pic>
+      <p:sp>
+        <p:nvSpPr>
+          <p:cNvPr id="12" name="文字方塊 11">
+            <a:extLst>
+              <a:ext uri="{FF2B5EF4-FFF2-40B4-BE49-F238E27FC236}">
+                <a16:creationId xmlns:a16="http://schemas.microsoft.com/office/drawing/2014/main" id="{618AA523-72CE-E2E3-A1CC-A199B2F2DC6C}"/>
+              </a:ext>
+            </a:extLst>
+          </p:cNvPr>
+          <p:cNvSpPr txBox="1"/>
+          <p:nvPr/>
+        </p:nvSpPr>
+        <p:spPr>
+          <a:xfrm>
+            <a:off x="6929717" y="4288783"/>
+            <a:ext cx="1049967" cy="276999"/>
+          </a:xfrm>
+          <a:prstGeom prst="rect">
+            <a:avLst/>
+          </a:prstGeom>
+          <a:noFill/>
+        </p:spPr>
+        <p:txBody>
+          <a:bodyPr wrap="none" lIns="0" tIns="0" rIns="0" bIns="0" rtlCol="0">
+            <a:spAutoFit/>
+          </a:bodyPr>
+          <a:lstStyle/>
+          <a:p>
+            <a:r>
+              <a:rPr lang="en-US" altLang="zh-TW" dirty="0"/>
+              <a:t>A</a:t>
+            </a:r>
+            <a:r>
+              <a:rPr lang="en-US" altLang="zh-TW" baseline="-25000" dirty="0"/>
+              <a:t>4</a:t>
+            </a:r>
+            <a:r>
+              <a:rPr lang="en-US" altLang="zh-TW" dirty="0"/>
+              <a:t> = </a:t>
+            </a:r>
+            <a:r>
+              <a:rPr lang="en-US" altLang="zh-TW" dirty="0" err="1"/>
+              <a:t>R</a:t>
+            </a:r>
+            <a:r>
+              <a:rPr lang="en-US" altLang="zh-TW" baseline="-25000" dirty="0" err="1"/>
+              <a:t>c</a:t>
+            </a:r>
+            <a:r>
+              <a:rPr lang="en-US" altLang="zh-TW" dirty="0"/>
+              <a:t> + R</a:t>
+            </a:r>
+            <a:r>
+              <a:rPr lang="en-US" altLang="zh-TW" baseline="-25000" dirty="0"/>
+              <a:t>r</a:t>
+            </a:r>
+            <a:endParaRPr lang="zh-TW" altLang="en-US" baseline="-25000" dirty="0"/>
+          </a:p>
+        </p:txBody>
+      </p:sp>
+      <p:pic>
+        <p:nvPicPr>
+          <p:cNvPr id="16" name="圖片 15">
+            <a:extLst>
+              <a:ext uri="{FF2B5EF4-FFF2-40B4-BE49-F238E27FC236}">
+                <a16:creationId xmlns:a16="http://schemas.microsoft.com/office/drawing/2014/main" id="{EC90573F-65FE-D47F-A981-5B18A11E5356}"/>
+              </a:ext>
+            </a:extLst>
+          </p:cNvPr>
+          <p:cNvPicPr>
+            <a:picLocks noChangeAspect="1"/>
+          </p:cNvPicPr>
+          <p:nvPr/>
+        </p:nvPicPr>
+        <p:blipFill>
+          <a:blip r:embed="rId3"/>
+          <a:stretch>
+            <a:fillRect/>
+          </a:stretch>
+        </p:blipFill>
+        <p:spPr>
+          <a:xfrm>
+            <a:off x="5054811" y="2890157"/>
+            <a:ext cx="8931414" cy="624894"/>
+          </a:xfrm>
+          <a:prstGeom prst="rect">
+            <a:avLst/>
+          </a:prstGeom>
+        </p:spPr>
+      </p:pic>
+    </p:spTree>
+    <p:extLst>
+      <p:ext uri="{BB962C8B-B14F-4D97-AF65-F5344CB8AC3E}">
+        <p14:creationId xmlns:p14="http://schemas.microsoft.com/office/powerpoint/2010/main" val="566781227"/>
+      </p:ext>
+    </p:extLst>
+  </p:cSld>
+  <p:clrMapOvr>
+    <a:masterClrMapping/>
+  </p:clrMapOvr>
+</p:sld>
+</file>
+
+<file path=ppt/slides/slide18.xml><?xml version="1.0" encoding="utf-8"?>
+<p:sld xmlns:a="http://schemas.openxmlformats.org/drawingml/2006/main" xmlns:r="http://schemas.openxmlformats.org/officeDocument/2006/relationships" xmlns:p="http://schemas.openxmlformats.org/presentationml/2006/main">
+  <p:cSld>
+    <p:spTree>
+      <p:nvGrpSpPr>
+        <p:cNvPr id="1" name=""/>
+        <p:cNvGrpSpPr/>
+        <p:nvPr/>
+      </p:nvGrpSpPr>
+      <p:grpSpPr>
+        <a:xfrm>
+          <a:off x="0" y="0"/>
+          <a:ext cx="0" cy="0"/>
+          <a:chOff x="0" y="0"/>
+          <a:chExt cx="0" cy="0"/>
+        </a:xfrm>
+      </p:grpSpPr>
+      <p:sp>
+        <p:nvSpPr>
+          <p:cNvPr id="2" name="標題 1">
+            <a:extLst>
+              <a:ext uri="{FF2B5EF4-FFF2-40B4-BE49-F238E27FC236}">
                 <a16:creationId xmlns:a16="http://schemas.microsoft.com/office/drawing/2014/main" id="{5DF5684A-639B-1107-ED6E-52DAA223395C}"/>
               </a:ext>
             </a:extLst>
@@ -5084,17 +5485,12 @@
           <a:bodyPr/>
           <a:lstStyle/>
           <a:p>
-            <a:r>
-              <a:rPr lang="zh-TW" altLang="en-US" dirty="0"/>
-              <a:t>尋找在曲率半徑極大下的解決辦法</a:t>
-            </a:r>
             <a:endParaRPr lang="en-US" altLang="zh-TW" dirty="0"/>
           </a:p>
           <a:p>
-            <a:r>
-              <a:rPr lang="zh-TW" altLang="en-US" dirty="0"/>
-              <a:t>以等效連桿組分析機械誤差</a:t>
-            </a:r>
+            <a:endParaRPr lang="en-US" altLang="zh-TW" dirty="0"/>
+          </a:p>
+          <a:p>
             <a:endParaRPr lang="en-US" altLang="zh-TW" dirty="0"/>
           </a:p>
           <a:p>
@@ -5129,7 +5525,7 @@
             <a:fld id="{C6C6DF20-F6C2-4320-A0BE-6B55CFF1C783}" type="slidenum">
               <a:rPr lang="zh-TW" altLang="en-US" smtClean="0"/>
               <a:pPr/>
-              <a:t>16</a:t>
+              <a:t>18</a:t>
             </a:fld>
             <a:endParaRPr lang="zh-TW" altLang="en-US" dirty="0"/>
           </a:p>
@@ -5224,7 +5620,7 @@
           <a:p>
             <a:r>
               <a:rPr lang="zh-TW" altLang="en-US" dirty="0"/>
-              <a:t>不同種減速機形式</a:t>
+              <a:t>新擺線輪輪廓解析式</a:t>
             </a:r>
             <a:endParaRPr lang="en-US" altLang="zh-TW" dirty="0"/>
           </a:p>
@@ -5246,7 +5642,7 @@
           <a:p>
             <a:r>
               <a:rPr lang="zh-TW" altLang="en-US" dirty="0"/>
-              <a:t>未來目標</a:t>
+              <a:t>未來目標轉換角</a:t>
             </a:r>
             <a:endParaRPr lang="en-US" altLang="zh-TW" dirty="0"/>
           </a:p>
@@ -5461,7 +5857,7 @@
         </p:blipFill>
         <p:spPr>
           <a:xfrm>
-            <a:off x="3257550" y="1452562"/>
+            <a:off x="3257550" y="1461527"/>
             <a:ext cx="5676900" cy="3952875"/>
           </a:xfrm>
           <a:prstGeom prst="rect">
@@ -5532,31 +5928,255 @@
           </a:p>
         </p:txBody>
       </p:sp>
-      <p:sp>
-        <p:nvSpPr>
-          <p:cNvPr id="3" name="內容版面配置區 2">
-            <a:extLst>
-              <a:ext uri="{FF2B5EF4-FFF2-40B4-BE49-F238E27FC236}">
-                <a16:creationId xmlns:a16="http://schemas.microsoft.com/office/drawing/2014/main" id="{2E046E2D-8165-368F-E9B7-03F08EC1F200}"/>
-              </a:ext>
-            </a:extLst>
-          </p:cNvPr>
-          <p:cNvSpPr>
-            <a:spLocks noGrp="1"/>
-          </p:cNvSpPr>
-          <p:nvPr>
-            <p:ph idx="1"/>
-          </p:nvPr>
-        </p:nvSpPr>
-        <p:spPr/>
-        <p:txBody>
-          <a:bodyPr/>
-          <a:lstStyle/>
-          <a:p>
-            <a:endParaRPr lang="zh-TW" altLang="en-US"/>
-          </a:p>
-        </p:txBody>
-      </p:sp>
+      <mc:AlternateContent xmlns:mc="http://schemas.openxmlformats.org/markup-compatibility/2006">
+        <mc:Choice xmlns:a14="http://schemas.microsoft.com/office/drawing/2010/main" Requires="a14">
+          <p:sp>
+            <p:nvSpPr>
+              <p:cNvPr id="3" name="內容版面配置區 2">
+                <a:extLst>
+                  <a:ext uri="{FF2B5EF4-FFF2-40B4-BE49-F238E27FC236}">
+                    <a16:creationId xmlns:a16="http://schemas.microsoft.com/office/drawing/2014/main" id="{2E046E2D-8165-368F-E9B7-03F08EC1F200}"/>
+                  </a:ext>
+                </a:extLst>
+              </p:cNvPr>
+              <p:cNvSpPr>
+                <a:spLocks noGrp="1"/>
+              </p:cNvSpPr>
+              <p:nvPr>
+                <p:ph idx="1"/>
+              </p:nvPr>
+            </p:nvSpPr>
+            <p:spPr>
+              <a:xfrm>
+                <a:off x="2245659" y="5212976"/>
+                <a:ext cx="10515600" cy="4351338"/>
+              </a:xfrm>
+            </p:spPr>
+            <p:txBody>
+              <a:bodyPr/>
+              <a:lstStyle/>
+              <a:p>
+                <a14:m>
+                  <m:oMath xmlns:m="http://schemas.openxmlformats.org/officeDocument/2006/math">
+                    <m:acc>
+                      <m:accPr>
+                        <m:chr m:val="̅"/>
+                        <m:ctrlPr>
+                          <a:rPr lang="zh-TW" altLang="zh-TW" sz="1800" i="1" kern="0" smtClean="0">
+                            <a:effectLst/>
+                            <a:latin typeface="Cambria Math" panose="02040503050406030204" pitchFamily="18" charset="0"/>
+                            <a:ea typeface="Cambria Math" panose="02040503050406030204" pitchFamily="18" charset="0"/>
+                            <a:cs typeface="新細明體" panose="02020500000000000000" pitchFamily="18" charset="-120"/>
+                          </a:rPr>
+                        </m:ctrlPr>
+                      </m:accPr>
+                      <m:e>
+                        <m:r>
+                          <a:rPr lang="en-US" altLang="zh-TW" sz="1800" i="1" kern="0">
+                            <a:effectLst/>
+                            <a:latin typeface="Cambria Math" panose="02040503050406030204" pitchFamily="18" charset="0"/>
+                            <a:ea typeface="新細明體" panose="02020500000000000000" pitchFamily="18" charset="-120"/>
+                            <a:cs typeface="新細明體" panose="02020500000000000000" pitchFamily="18" charset="-120"/>
+                          </a:rPr>
+                          <m:t>𝐼𝐶</m:t>
+                        </m:r>
+                        <m:r>
+                          <a:rPr lang="en-US" altLang="zh-TW" sz="1800" i="1" kern="0" baseline="-25000">
+                            <a:effectLst/>
+                            <a:latin typeface="Cambria Math" panose="02040503050406030204" pitchFamily="18" charset="0"/>
+                            <a:ea typeface="新細明體" panose="02020500000000000000" pitchFamily="18" charset="-120"/>
+                            <a:cs typeface="新細明體" panose="02020500000000000000" pitchFamily="18" charset="-120"/>
+                          </a:rPr>
+                          <m:t>23</m:t>
+                        </m:r>
+                        <m:r>
+                          <a:rPr lang="en-US" altLang="zh-TW" sz="1800" i="1" kern="0">
+                            <a:effectLst/>
+                            <a:latin typeface="Cambria Math" panose="02040503050406030204" pitchFamily="18" charset="0"/>
+                            <a:ea typeface="新細明體" panose="02020500000000000000" pitchFamily="18" charset="-120"/>
+                            <a:cs typeface="新細明體" panose="02020500000000000000" pitchFamily="18" charset="-120"/>
+                          </a:rPr>
+                          <m:t>𝐼𝐶</m:t>
+                        </m:r>
+                        <m:r>
+                          <a:rPr lang="en-US" altLang="zh-TW" sz="1800" i="1" kern="0" baseline="-25000">
+                            <a:effectLst/>
+                            <a:latin typeface="Cambria Math" panose="02040503050406030204" pitchFamily="18" charset="0"/>
+                            <a:ea typeface="新細明體" panose="02020500000000000000" pitchFamily="18" charset="-120"/>
+                            <a:cs typeface="新細明體" panose="02020500000000000000" pitchFamily="18" charset="-120"/>
+                          </a:rPr>
+                          <m:t>13</m:t>
+                        </m:r>
+                      </m:e>
+                    </m:acc>
+                    <m:r>
+                      <a:rPr lang="en-US" altLang="zh-TW" sz="1800" i="1" kern="0">
+                        <a:effectLst/>
+                        <a:latin typeface="Cambria Math" panose="02040503050406030204" pitchFamily="18" charset="0"/>
+                        <a:ea typeface="新細明體" panose="02020500000000000000" pitchFamily="18" charset="-120"/>
+                        <a:cs typeface="新細明體" panose="02020500000000000000" pitchFamily="18" charset="-120"/>
+                      </a:rPr>
+                      <m:t>+</m:t>
+                    </m:r>
+                    <m:acc>
+                      <m:accPr>
+                        <m:chr m:val="̅"/>
+                        <m:ctrlPr>
+                          <a:rPr lang="zh-TW" altLang="zh-TW" sz="1800" i="1" kern="0">
+                            <a:effectLst/>
+                            <a:latin typeface="Cambria Math" panose="02040503050406030204" pitchFamily="18" charset="0"/>
+                            <a:ea typeface="Cambria Math" panose="02040503050406030204" pitchFamily="18" charset="0"/>
+                            <a:cs typeface="新細明體" panose="02020500000000000000" pitchFamily="18" charset="-120"/>
+                          </a:rPr>
+                        </m:ctrlPr>
+                      </m:accPr>
+                      <m:e>
+                        <m:r>
+                          <a:rPr lang="en-US" altLang="zh-TW" sz="1800" i="1" kern="0">
+                            <a:effectLst/>
+                            <a:latin typeface="Cambria Math" panose="02040503050406030204" pitchFamily="18" charset="0"/>
+                            <a:ea typeface="新細明體" panose="02020500000000000000" pitchFamily="18" charset="-120"/>
+                            <a:cs typeface="新細明體" panose="02020500000000000000" pitchFamily="18" charset="-120"/>
+                          </a:rPr>
+                          <m:t>𝐼𝐶</m:t>
+                        </m:r>
+                        <m:r>
+                          <a:rPr lang="en-US" altLang="zh-TW" sz="1800" i="1" kern="0" baseline="-25000">
+                            <a:effectLst/>
+                            <a:latin typeface="Cambria Math" panose="02040503050406030204" pitchFamily="18" charset="0"/>
+                            <a:ea typeface="新細明體" panose="02020500000000000000" pitchFamily="18" charset="-120"/>
+                            <a:cs typeface="新細明體" panose="02020500000000000000" pitchFamily="18" charset="-120"/>
+                          </a:rPr>
+                          <m:t>13</m:t>
+                        </m:r>
+                        <m:r>
+                          <a:rPr lang="en-US" altLang="zh-TW" sz="1800" i="1" kern="0">
+                            <a:effectLst/>
+                            <a:latin typeface="Cambria Math" panose="02040503050406030204" pitchFamily="18" charset="0"/>
+                            <a:ea typeface="新細明體" panose="02020500000000000000" pitchFamily="18" charset="-120"/>
+                            <a:cs typeface="新細明體" panose="02020500000000000000" pitchFamily="18" charset="-120"/>
+                          </a:rPr>
+                          <m:t>𝑂</m:t>
+                        </m:r>
+                        <m:r>
+                          <a:rPr lang="en-US" altLang="zh-TW" sz="1800" i="1" kern="0" baseline="-25000">
+                            <a:latin typeface="Cambria Math" panose="02040503050406030204" pitchFamily="18" charset="0"/>
+                            <a:cs typeface="新細明體" panose="02020500000000000000" pitchFamily="18" charset="-120"/>
+                          </a:rPr>
+                          <m:t>𝑟</m:t>
+                        </m:r>
+                      </m:e>
+                    </m:acc>
+                    <m:r>
+                      <a:rPr lang="en-US" altLang="zh-TW" sz="1800" i="1" kern="0">
+                        <a:effectLst/>
+                        <a:latin typeface="Cambria Math" panose="02040503050406030204" pitchFamily="18" charset="0"/>
+                        <a:ea typeface="新細明體" panose="02020500000000000000" pitchFamily="18" charset="-120"/>
+                        <a:cs typeface="新細明體" panose="02020500000000000000" pitchFamily="18" charset="-120"/>
+                      </a:rPr>
+                      <m:t>+</m:t>
+                    </m:r>
+                    <m:acc>
+                      <m:accPr>
+                        <m:chr m:val="̅"/>
+                        <m:ctrlPr>
+                          <a:rPr lang="zh-TW" altLang="zh-TW" sz="1800" i="1" kern="0">
+                            <a:effectLst/>
+                            <a:latin typeface="Cambria Math" panose="02040503050406030204" pitchFamily="18" charset="0"/>
+                            <a:ea typeface="Cambria Math" panose="02040503050406030204" pitchFamily="18" charset="0"/>
+                            <a:cs typeface="新細明體" panose="02020500000000000000" pitchFamily="18" charset="-120"/>
+                          </a:rPr>
+                        </m:ctrlPr>
+                      </m:accPr>
+                      <m:e>
+                        <m:r>
+                          <a:rPr lang="en-US" altLang="zh-TW" sz="1800" i="1" kern="0">
+                            <a:effectLst/>
+                            <a:latin typeface="Cambria Math" panose="02040503050406030204" pitchFamily="18" charset="0"/>
+                            <a:ea typeface="新細明體" panose="02020500000000000000" pitchFamily="18" charset="-120"/>
+                            <a:cs typeface="新細明體" panose="02020500000000000000" pitchFamily="18" charset="-120"/>
+                          </a:rPr>
+                          <m:t>𝑂</m:t>
+                        </m:r>
+                        <m:r>
+                          <a:rPr lang="en-US" altLang="zh-TW" sz="1800" i="1" kern="0" baseline="-25000">
+                            <a:effectLst/>
+                            <a:latin typeface="Cambria Math" panose="02040503050406030204" pitchFamily="18" charset="0"/>
+                            <a:ea typeface="新細明體" panose="02020500000000000000" pitchFamily="18" charset="-120"/>
+                            <a:cs typeface="新細明體" panose="02020500000000000000" pitchFamily="18" charset="-120"/>
+                          </a:rPr>
+                          <m:t>𝑟</m:t>
+                        </m:r>
+                        <m:r>
+                          <a:rPr lang="en-US" altLang="zh-TW" sz="1800" i="1" kern="0">
+                            <a:effectLst/>
+                            <a:latin typeface="Cambria Math" panose="02040503050406030204" pitchFamily="18" charset="0"/>
+                            <a:ea typeface="新細明體" panose="02020500000000000000" pitchFamily="18" charset="-120"/>
+                            <a:cs typeface="新細明體" panose="02020500000000000000" pitchFamily="18" charset="-120"/>
+                          </a:rPr>
+                          <m:t>𝐶</m:t>
+                        </m:r>
+                      </m:e>
+                    </m:acc>
+                  </m:oMath>
+                </a14:m>
+                <a:endParaRPr lang="zh-TW" altLang="zh-TW" sz="1800" kern="100" dirty="0">
+                  <a:effectLst/>
+                  <a:latin typeface="Calibri" panose="020F0502020204030204" pitchFamily="34" charset="0"/>
+                  <a:ea typeface="新細明體" panose="02020500000000000000" pitchFamily="18" charset="-120"/>
+                  <a:cs typeface="Times New Roman" panose="02020603050405020304" pitchFamily="18" charset="0"/>
+                </a:endParaRPr>
+              </a:p>
+              <a:p>
+                <a:endParaRPr lang="zh-TW" altLang="en-US" dirty="0"/>
+              </a:p>
+            </p:txBody>
+          </p:sp>
+        </mc:Choice>
+        <mc:Fallback>
+          <p:sp>
+            <p:nvSpPr>
+              <p:cNvPr id="3" name="內容版面配置區 2">
+                <a:extLst>
+                  <a:ext uri="{FF2B5EF4-FFF2-40B4-BE49-F238E27FC236}">
+                    <a16:creationId xmlns:a16="http://schemas.microsoft.com/office/drawing/2014/main" id="{2E046E2D-8165-368F-E9B7-03F08EC1F200}"/>
+                  </a:ext>
+                </a:extLst>
+              </p:cNvPr>
+              <p:cNvSpPr>
+                <a:spLocks noGrp="1" noRot="1" noChangeAspect="1" noMove="1" noResize="1" noEditPoints="1" noAdjustHandles="1" noChangeArrowheads="1" noChangeShapeType="1" noTextEdit="1"/>
+              </p:cNvSpPr>
+              <p:nvPr>
+                <p:ph idx="1"/>
+              </p:nvPr>
+            </p:nvSpPr>
+            <p:spPr>
+              <a:xfrm>
+                <a:off x="2245659" y="5212976"/>
+                <a:ext cx="10515600" cy="4351338"/>
+              </a:xfrm>
+              <a:blipFill>
+                <a:blip r:embed="rId2"/>
+                <a:stretch>
+                  <a:fillRect l="-348" t="-840"/>
+                </a:stretch>
+              </a:blipFill>
+            </p:spPr>
+            <p:txBody>
+              <a:bodyPr/>
+              <a:lstStyle/>
+              <a:p>
+                <a:r>
+                  <a:rPr lang="zh-TW" altLang="en-US">
+                    <a:noFill/>
+                  </a:rPr>
+                  <a:t> </a:t>
+                </a:r>
+              </a:p>
+            </p:txBody>
+          </p:sp>
+        </mc:Fallback>
+      </mc:AlternateContent>
       <p:sp>
         <p:nvSpPr>
           <p:cNvPr id="4" name="頁尾版面配置區 3">
@@ -5631,7 +6251,7 @@
           <p:nvPr/>
         </p:nvPicPr>
         <p:blipFill>
-          <a:blip r:embed="rId2"/>
+          <a:blip r:embed="rId3"/>
           <a:stretch>
             <a:fillRect/>
           </a:stretch>
@@ -5646,6 +6266,38 @@
           </a:prstGeom>
         </p:spPr>
       </p:pic>
+      <p:sp>
+        <p:nvSpPr>
+          <p:cNvPr id="7" name="文字方塊 6">
+            <a:extLst>
+              <a:ext uri="{FF2B5EF4-FFF2-40B4-BE49-F238E27FC236}">
+                <a16:creationId xmlns:a16="http://schemas.microsoft.com/office/drawing/2014/main" id="{DEF60153-40D5-27EB-DCB5-13095A64A9DB}"/>
+              </a:ext>
+            </a:extLst>
+          </p:cNvPr>
+          <p:cNvSpPr txBox="1"/>
+          <p:nvPr/>
+        </p:nvSpPr>
+        <p:spPr>
+          <a:xfrm>
+            <a:off x="2628900" y="5212976"/>
+            <a:ext cx="65" cy="276999"/>
+          </a:xfrm>
+          <a:prstGeom prst="rect">
+            <a:avLst/>
+          </a:prstGeom>
+          <a:noFill/>
+        </p:spPr>
+        <p:txBody>
+          <a:bodyPr wrap="none" lIns="0" tIns="0" rIns="0" bIns="0" rtlCol="0">
+            <a:spAutoFit/>
+          </a:bodyPr>
+          <a:lstStyle/>
+          <a:p>
+            <a:endParaRPr lang="zh-TW" altLang="en-US" dirty="0"/>
+          </a:p>
+        </p:txBody>
+      </p:sp>
     </p:spTree>
     <p:extLst>
       <p:ext uri="{BB962C8B-B14F-4D97-AF65-F5344CB8AC3E}">
@@ -5936,31 +6588,255 @@
           </a:p>
         </p:txBody>
       </p:sp>
-      <p:sp>
-        <p:nvSpPr>
-          <p:cNvPr id="7" name="內容版面配置區 6">
-            <a:extLst>
-              <a:ext uri="{FF2B5EF4-FFF2-40B4-BE49-F238E27FC236}">
-                <a16:creationId xmlns:a16="http://schemas.microsoft.com/office/drawing/2014/main" id="{EC60EA0F-7C11-2E1A-2ED9-97731709A578}"/>
-              </a:ext>
-            </a:extLst>
-          </p:cNvPr>
-          <p:cNvSpPr>
-            <a:spLocks noGrp="1"/>
-          </p:cNvSpPr>
-          <p:nvPr>
-            <p:ph idx="1"/>
-          </p:nvPr>
-        </p:nvSpPr>
-        <p:spPr/>
-        <p:txBody>
-          <a:bodyPr/>
-          <a:lstStyle/>
-          <a:p>
-            <a:endParaRPr lang="zh-TW" altLang="en-US"/>
-          </a:p>
-        </p:txBody>
-      </p:sp>
+      <mc:AlternateContent xmlns:mc="http://schemas.openxmlformats.org/markup-compatibility/2006">
+        <mc:Choice xmlns:a14="http://schemas.microsoft.com/office/drawing/2010/main" Requires="a14">
+          <p:sp>
+            <p:nvSpPr>
+              <p:cNvPr id="7" name="內容版面配置區 6">
+                <a:extLst>
+                  <a:ext uri="{FF2B5EF4-FFF2-40B4-BE49-F238E27FC236}">
+                    <a16:creationId xmlns:a16="http://schemas.microsoft.com/office/drawing/2014/main" id="{EC60EA0F-7C11-2E1A-2ED9-97731709A578}"/>
+                  </a:ext>
+                </a:extLst>
+              </p:cNvPr>
+              <p:cNvSpPr>
+                <a:spLocks noGrp="1"/>
+              </p:cNvSpPr>
+              <p:nvPr>
+                <p:ph idx="1"/>
+              </p:nvPr>
+            </p:nvSpPr>
+            <p:spPr>
+              <a:xfrm>
+                <a:off x="2724150" y="5680449"/>
+                <a:ext cx="10515600" cy="4351338"/>
+              </a:xfrm>
+            </p:spPr>
+            <p:txBody>
+              <a:bodyPr/>
+              <a:lstStyle/>
+              <a:p>
+                <a14:m>
+                  <m:oMath xmlns:m="http://schemas.openxmlformats.org/officeDocument/2006/math">
+                    <m:acc>
+                      <m:accPr>
+                        <m:chr m:val="̅"/>
+                        <m:ctrlPr>
+                          <a:rPr lang="zh-TW" altLang="zh-TW" sz="1800" i="1" kern="0" smtClean="0">
+                            <a:effectLst/>
+                            <a:latin typeface="Cambria Math" panose="02040503050406030204" pitchFamily="18" charset="0"/>
+                            <a:ea typeface="Cambria Math" panose="02040503050406030204" pitchFamily="18" charset="0"/>
+                            <a:cs typeface="新細明體" panose="02020500000000000000" pitchFamily="18" charset="-120"/>
+                          </a:rPr>
+                        </m:ctrlPr>
+                      </m:accPr>
+                      <m:e>
+                        <m:r>
+                          <a:rPr lang="en-US" altLang="zh-TW" sz="1800" i="1" kern="0">
+                            <a:effectLst/>
+                            <a:latin typeface="Cambria Math" panose="02040503050406030204" pitchFamily="18" charset="0"/>
+                            <a:ea typeface="新細明體" panose="02020500000000000000" pitchFamily="18" charset="-120"/>
+                            <a:cs typeface="新細明體" panose="02020500000000000000" pitchFamily="18" charset="-120"/>
+                          </a:rPr>
+                          <m:t>𝐼𝐶</m:t>
+                        </m:r>
+                        <m:r>
+                          <a:rPr lang="en-US" altLang="zh-TW" sz="1800" i="1" kern="0" baseline="-25000">
+                            <a:effectLst/>
+                            <a:latin typeface="Cambria Math" panose="02040503050406030204" pitchFamily="18" charset="0"/>
+                            <a:ea typeface="新細明體" panose="02020500000000000000" pitchFamily="18" charset="-120"/>
+                            <a:cs typeface="新細明體" panose="02020500000000000000" pitchFamily="18" charset="-120"/>
+                          </a:rPr>
+                          <m:t>23</m:t>
+                        </m:r>
+                        <m:r>
+                          <a:rPr lang="en-US" altLang="zh-TW" sz="1800" i="1" kern="0">
+                            <a:effectLst/>
+                            <a:latin typeface="Cambria Math" panose="02040503050406030204" pitchFamily="18" charset="0"/>
+                            <a:ea typeface="新細明體" panose="02020500000000000000" pitchFamily="18" charset="-120"/>
+                            <a:cs typeface="新細明體" panose="02020500000000000000" pitchFamily="18" charset="-120"/>
+                          </a:rPr>
+                          <m:t>𝐼𝐶</m:t>
+                        </m:r>
+                        <m:r>
+                          <a:rPr lang="en-US" altLang="zh-TW" sz="1800" i="1" kern="0" baseline="-25000">
+                            <a:effectLst/>
+                            <a:latin typeface="Cambria Math" panose="02040503050406030204" pitchFamily="18" charset="0"/>
+                            <a:ea typeface="新細明體" panose="02020500000000000000" pitchFamily="18" charset="-120"/>
+                            <a:cs typeface="新細明體" panose="02020500000000000000" pitchFamily="18" charset="-120"/>
+                          </a:rPr>
+                          <m:t>13</m:t>
+                        </m:r>
+                      </m:e>
+                    </m:acc>
+                    <m:r>
+                      <a:rPr lang="en-US" altLang="zh-TW" sz="1800" i="1" kern="0">
+                        <a:effectLst/>
+                        <a:latin typeface="Cambria Math" panose="02040503050406030204" pitchFamily="18" charset="0"/>
+                        <a:ea typeface="新細明體" panose="02020500000000000000" pitchFamily="18" charset="-120"/>
+                        <a:cs typeface="新細明體" panose="02020500000000000000" pitchFamily="18" charset="-120"/>
+                      </a:rPr>
+                      <m:t>+</m:t>
+                    </m:r>
+                    <m:acc>
+                      <m:accPr>
+                        <m:chr m:val="̅"/>
+                        <m:ctrlPr>
+                          <a:rPr lang="zh-TW" altLang="zh-TW" sz="1800" i="1" kern="0">
+                            <a:effectLst/>
+                            <a:latin typeface="Cambria Math" panose="02040503050406030204" pitchFamily="18" charset="0"/>
+                            <a:ea typeface="Cambria Math" panose="02040503050406030204" pitchFamily="18" charset="0"/>
+                            <a:cs typeface="新細明體" panose="02020500000000000000" pitchFamily="18" charset="-120"/>
+                          </a:rPr>
+                        </m:ctrlPr>
+                      </m:accPr>
+                      <m:e>
+                        <m:r>
+                          <a:rPr lang="en-US" altLang="zh-TW" sz="1800" i="1" kern="0">
+                            <a:effectLst/>
+                            <a:latin typeface="Cambria Math" panose="02040503050406030204" pitchFamily="18" charset="0"/>
+                            <a:ea typeface="新細明體" panose="02020500000000000000" pitchFamily="18" charset="-120"/>
+                            <a:cs typeface="新細明體" panose="02020500000000000000" pitchFamily="18" charset="-120"/>
+                          </a:rPr>
+                          <m:t>𝐼𝐶</m:t>
+                        </m:r>
+                        <m:r>
+                          <a:rPr lang="en-US" altLang="zh-TW" sz="1800" i="1" kern="0" baseline="-25000">
+                            <a:effectLst/>
+                            <a:latin typeface="Cambria Math" panose="02040503050406030204" pitchFamily="18" charset="0"/>
+                            <a:ea typeface="新細明體" panose="02020500000000000000" pitchFamily="18" charset="-120"/>
+                            <a:cs typeface="新細明體" panose="02020500000000000000" pitchFamily="18" charset="-120"/>
+                          </a:rPr>
+                          <m:t>13</m:t>
+                        </m:r>
+                        <m:r>
+                          <a:rPr lang="en-US" altLang="zh-TW" sz="1800" i="1" kern="0">
+                            <a:effectLst/>
+                            <a:latin typeface="Cambria Math" panose="02040503050406030204" pitchFamily="18" charset="0"/>
+                            <a:ea typeface="新細明體" panose="02020500000000000000" pitchFamily="18" charset="-120"/>
+                            <a:cs typeface="新細明體" panose="02020500000000000000" pitchFamily="18" charset="-120"/>
+                          </a:rPr>
+                          <m:t>𝑂</m:t>
+                        </m:r>
+                        <m:r>
+                          <a:rPr lang="en-US" altLang="zh-TW" sz="1800" i="1" kern="0" baseline="-25000">
+                            <a:latin typeface="Cambria Math" panose="02040503050406030204" pitchFamily="18" charset="0"/>
+                            <a:cs typeface="新細明體" panose="02020500000000000000" pitchFamily="18" charset="-120"/>
+                          </a:rPr>
+                          <m:t>𝑟</m:t>
+                        </m:r>
+                      </m:e>
+                    </m:acc>
+                    <m:r>
+                      <a:rPr lang="en-US" altLang="zh-TW" sz="1800" i="1" kern="0">
+                        <a:effectLst/>
+                        <a:latin typeface="Cambria Math" panose="02040503050406030204" pitchFamily="18" charset="0"/>
+                        <a:ea typeface="新細明體" panose="02020500000000000000" pitchFamily="18" charset="-120"/>
+                        <a:cs typeface="新細明體" panose="02020500000000000000" pitchFamily="18" charset="-120"/>
+                      </a:rPr>
+                      <m:t>+</m:t>
+                    </m:r>
+                    <m:acc>
+                      <m:accPr>
+                        <m:chr m:val="̅"/>
+                        <m:ctrlPr>
+                          <a:rPr lang="zh-TW" altLang="zh-TW" sz="1800" i="1" kern="0">
+                            <a:effectLst/>
+                            <a:latin typeface="Cambria Math" panose="02040503050406030204" pitchFamily="18" charset="0"/>
+                            <a:ea typeface="Cambria Math" panose="02040503050406030204" pitchFamily="18" charset="0"/>
+                            <a:cs typeface="新細明體" panose="02020500000000000000" pitchFamily="18" charset="-120"/>
+                          </a:rPr>
+                        </m:ctrlPr>
+                      </m:accPr>
+                      <m:e>
+                        <m:r>
+                          <a:rPr lang="en-US" altLang="zh-TW" sz="1800" i="1" kern="0">
+                            <a:effectLst/>
+                            <a:latin typeface="Cambria Math" panose="02040503050406030204" pitchFamily="18" charset="0"/>
+                            <a:ea typeface="新細明體" panose="02020500000000000000" pitchFamily="18" charset="-120"/>
+                            <a:cs typeface="新細明體" panose="02020500000000000000" pitchFamily="18" charset="-120"/>
+                          </a:rPr>
+                          <m:t>𝑂</m:t>
+                        </m:r>
+                        <m:r>
+                          <a:rPr lang="en-US" altLang="zh-TW" sz="1800" i="1" kern="0" baseline="-25000">
+                            <a:effectLst/>
+                            <a:latin typeface="Cambria Math" panose="02040503050406030204" pitchFamily="18" charset="0"/>
+                            <a:ea typeface="新細明體" panose="02020500000000000000" pitchFamily="18" charset="-120"/>
+                            <a:cs typeface="新細明體" panose="02020500000000000000" pitchFamily="18" charset="-120"/>
+                          </a:rPr>
+                          <m:t>𝑟</m:t>
+                        </m:r>
+                        <m:r>
+                          <a:rPr lang="en-US" altLang="zh-TW" sz="1800" i="1" kern="0">
+                            <a:effectLst/>
+                            <a:latin typeface="Cambria Math" panose="02040503050406030204" pitchFamily="18" charset="0"/>
+                            <a:ea typeface="新細明體" panose="02020500000000000000" pitchFamily="18" charset="-120"/>
+                            <a:cs typeface="新細明體" panose="02020500000000000000" pitchFamily="18" charset="-120"/>
+                          </a:rPr>
+                          <m:t>𝐶</m:t>
+                        </m:r>
+                      </m:e>
+                    </m:acc>
+                  </m:oMath>
+                </a14:m>
+                <a:endParaRPr lang="zh-TW" altLang="zh-TW" sz="1800" kern="100" dirty="0">
+                  <a:effectLst/>
+                  <a:latin typeface="Calibri" panose="020F0502020204030204" pitchFamily="34" charset="0"/>
+                  <a:ea typeface="新細明體" panose="02020500000000000000" pitchFamily="18" charset="-120"/>
+                  <a:cs typeface="Times New Roman" panose="02020603050405020304" pitchFamily="18" charset="0"/>
+                </a:endParaRPr>
+              </a:p>
+              <a:p>
+                <a:endParaRPr lang="zh-TW" altLang="en-US" dirty="0"/>
+              </a:p>
+            </p:txBody>
+          </p:sp>
+        </mc:Choice>
+        <mc:Fallback>
+          <p:sp>
+            <p:nvSpPr>
+              <p:cNvPr id="7" name="內容版面配置區 6">
+                <a:extLst>
+                  <a:ext uri="{FF2B5EF4-FFF2-40B4-BE49-F238E27FC236}">
+                    <a16:creationId xmlns:a16="http://schemas.microsoft.com/office/drawing/2014/main" id="{EC60EA0F-7C11-2E1A-2ED9-97731709A578}"/>
+                  </a:ext>
+                </a:extLst>
+              </p:cNvPr>
+              <p:cNvSpPr>
+                <a:spLocks noGrp="1" noRot="1" noChangeAspect="1" noMove="1" noResize="1" noEditPoints="1" noAdjustHandles="1" noChangeArrowheads="1" noChangeShapeType="1" noTextEdit="1"/>
+              </p:cNvSpPr>
+              <p:nvPr>
+                <p:ph idx="1"/>
+              </p:nvPr>
+            </p:nvSpPr>
+            <p:spPr>
+              <a:xfrm>
+                <a:off x="2724150" y="5680449"/>
+                <a:ext cx="10515600" cy="4351338"/>
+              </a:xfrm>
+              <a:blipFill>
+                <a:blip r:embed="rId2"/>
+                <a:stretch>
+                  <a:fillRect l="-406" t="-980"/>
+                </a:stretch>
+              </a:blipFill>
+            </p:spPr>
+            <p:txBody>
+              <a:bodyPr/>
+              <a:lstStyle/>
+              <a:p>
+                <a:r>
+                  <a:rPr lang="zh-TW" altLang="en-US">
+                    <a:noFill/>
+                  </a:rPr>
+                  <a:t> </a:t>
+                </a:r>
+              </a:p>
+            </p:txBody>
+          </p:sp>
+        </mc:Fallback>
+      </mc:AlternateContent>
       <p:pic>
         <p:nvPicPr>
           <p:cNvPr id="6" name="圖片 5">
@@ -5976,7 +6852,7 @@
           <p:nvPr/>
         </p:nvPicPr>
         <p:blipFill>
-          <a:blip r:embed="rId2"/>
+          <a:blip r:embed="rId3"/>
           <a:stretch>
             <a:fillRect/>
           </a:stretch>
@@ -6047,14 +6923,14 @@
                 <p:ph idx="1"/>
                 <p:extLst>
                   <p:ext uri="{D42A27DB-BD31-4B8C-83A1-F6EECF244321}">
-                    <p14:modId xmlns:p14="http://schemas.microsoft.com/office/powerpoint/2010/main" val="3638910928"/>
+                    <p14:modId xmlns:p14="http://schemas.microsoft.com/office/powerpoint/2010/main" val="3126672980"/>
                   </p:ext>
                 </p:extLst>
               </p:nvPr>
             </p:nvGraphicFramePr>
             <p:xfrm>
               <a:off x="838200" y="1136346"/>
-              <a:ext cx="10515600" cy="5747796"/>
+              <a:ext cx="10515600" cy="5444321"/>
             </p:xfrm>
             <a:graphic>
               <a:graphicData uri="http://schemas.openxmlformats.org/drawingml/2006/table">
@@ -6093,7 +6969,7 @@
                     </a:gridCol>
                   </a:tblGrid>
                   <a:tr h="702365">
-                    <a:tc>
+                    <a:tc gridSpan="2">
                       <a:txBody>
                         <a:bodyPr/>
                         <a:lstStyle/>
@@ -6153,19 +7029,11 @@
                         <a:noFill/>
                       </a:tcPr>
                     </a:tc>
-                    <a:tc>
+                    <a:tc hMerge="1">
                       <a:txBody>
                         <a:bodyPr/>
                         <a:lstStyle/>
                         <a:p>
-                          <a:r>
-                            <a:rPr lang="en-US" altLang="zh-TW" sz="2000" dirty="0">
-                              <a:solidFill>
-                                <a:schemeClr val="tx1"/>
-                              </a:solidFill>
-                            </a:rPr>
-                            <a:t>Rotating ring gear type epicycloid reducer</a:t>
-                          </a:r>
                           <a:endParaRPr lang="zh-TW" altLang="en-US" sz="2000" dirty="0">
                             <a:solidFill>
                               <a:schemeClr val="tx1"/>
@@ -6213,7 +7081,7 @@
                         <a:noFill/>
                       </a:tcPr>
                     </a:tc>
-                    <a:tc>
+                    <a:tc gridSpan="2">
                       <a:txBody>
                         <a:bodyPr/>
                         <a:lstStyle/>
@@ -6273,19 +7141,11 @@
                         <a:noFill/>
                       </a:tcPr>
                     </a:tc>
-                    <a:tc>
+                    <a:tc hMerge="1">
                       <a:txBody>
                         <a:bodyPr/>
                         <a:lstStyle/>
                         <a:p>
-                          <a:r>
-                            <a:rPr lang="en-US" altLang="zh-TW" sz="2000" dirty="0">
-                              <a:solidFill>
-                                <a:schemeClr val="tx1"/>
-                              </a:solidFill>
-                            </a:rPr>
-                            <a:t>Rotating ring gear type hypocycloid reducer</a:t>
-                          </a:r>
                           <a:endParaRPr lang="zh-TW" altLang="en-US" sz="2000" dirty="0">
                             <a:solidFill>
                               <a:schemeClr val="tx1"/>
@@ -6345,7 +7205,66 @@
                         <a:bodyPr/>
                         <a:lstStyle/>
                         <a:p>
-                          <a:pPr/>
+                          <a14:m>
+                            <m:oMath xmlns:m="http://schemas.openxmlformats.org/officeDocument/2006/math">
+                              <m:r>
+                                <a:rPr lang="en-US" altLang="zh-TW" sz="1800" kern="1200" smtClean="0">
+                                  <a:solidFill>
+                                    <a:schemeClr val="dk1"/>
+                                  </a:solidFill>
+                                  <a:effectLst/>
+                                  <a:latin typeface="Cambria Math" panose="02040503050406030204" pitchFamily="18" charset="0"/>
+                                  <a:ea typeface="+mn-ea"/>
+                                  <a:cs typeface="+mn-cs"/>
+                                </a:rPr>
+                                <m:t>∅</m:t>
+                              </m:r>
+                              <m:r>
+                                <a:rPr lang="en-US" altLang="zh-TW" sz="1800" b="0" i="0" kern="1200" baseline="-25000" smtClean="0">
+                                  <a:solidFill>
+                                    <a:schemeClr val="dk1"/>
+                                  </a:solidFill>
+                                  <a:effectLst/>
+                                  <a:latin typeface="Cambria Math" panose="02040503050406030204" pitchFamily="18" charset="0"/>
+                                  <a:ea typeface="+mn-ea"/>
+                                  <a:cs typeface="+mn-cs"/>
+                                </a:rPr>
+                                <m:t>3</m:t>
+                              </m:r>
+                            </m:oMath>
+                          </a14:m>
+                          <a:r>
+                            <a:rPr lang="en-US" altLang="zh-TW" dirty="0">
+                              <a:solidFill>
+                                <a:schemeClr val="tx1"/>
+                              </a:solidFill>
+                            </a:rPr>
+                            <a:t>=</a:t>
+                          </a:r>
+                          <a:r>
+                            <a:rPr lang="zh-TW" altLang="en-US" dirty="0">
+                              <a:solidFill>
+                                <a:schemeClr val="tx1"/>
+                              </a:solidFill>
+                            </a:rPr>
+                            <a:t> </a:t>
+                          </a:r>
+                          <a14:m>
+                            <m:oMath xmlns:m="http://schemas.openxmlformats.org/officeDocument/2006/math">
+                              <m:r>
+                                <a:rPr lang="en-US" altLang="zh-TW" sz="1800" kern="1200" smtClean="0">
+                                  <a:solidFill>
+                                    <a:schemeClr val="dk1"/>
+                                  </a:solidFill>
+                                  <a:effectLst/>
+                                  <a:latin typeface="Cambria Math" panose="02040503050406030204" pitchFamily="18" charset="0"/>
+                                  <a:ea typeface="+mn-ea"/>
+                                  <a:cs typeface="+mn-cs"/>
+                                </a:rPr>
+                                <m:t>∅</m:t>
+                              </m:r>
+                            </m:oMath>
+                          </a14:m>
                           <a:endParaRPr lang="zh-TW" altLang="en-US" dirty="0">
                             <a:solidFill>
                               <a:schemeClr val="tx1"/>
@@ -6398,7 +7317,214 @@
                         <a:bodyPr/>
                         <a:lstStyle/>
                         <a:p>
-                          <a:pPr/>
+                          <a14:m>
+                            <m:oMathPara xmlns:m="http://schemas.openxmlformats.org/officeDocument/2006/math">
+                              <m:oMathParaPr>
+                                <m:jc m:val="centerGroup"/>
+                              </m:oMathParaPr>
+                              <m:oMath xmlns:m="http://schemas.openxmlformats.org/officeDocument/2006/math">
+                                <m:r>
+                                  <a:rPr lang="en-US" altLang="zh-TW" sz="1800" kern="1200" smtClean="0">
+                                    <a:solidFill>
+                                      <a:schemeClr val="dk1"/>
+                                    </a:solidFill>
+                                    <a:effectLst/>
+                                    <a:latin typeface="Cambria Math" panose="02040503050406030204" pitchFamily="18" charset="0"/>
+                                    <a:ea typeface="+mn-ea"/>
+                                    <a:cs typeface="+mn-cs"/>
+                                  </a:rPr>
+                                  <m:t>∅</m:t>
+                                </m:r>
+                                <m:r>
+                                  <a:rPr lang="en-US" altLang="zh-TW" sz="1800" b="0" i="0" kern="1200" baseline="-25000" smtClean="0">
+                                    <a:solidFill>
+                                      <a:schemeClr val="dk1"/>
+                                    </a:solidFill>
+                                    <a:effectLst/>
+                                    <a:latin typeface="Cambria Math" panose="02040503050406030204" pitchFamily="18" charset="0"/>
+                                    <a:ea typeface="+mn-ea"/>
+                                    <a:cs typeface="+mn-cs"/>
+                                  </a:rPr>
+                                  <m:t>2</m:t>
+                                </m:r>
+                                <m:r>
+                                  <a:rPr lang="en-US" altLang="zh-TW" sz="1800" b="0" i="0" kern="1200" smtClean="0">
+                                    <a:solidFill>
+                                      <a:schemeClr val="dk1"/>
+                                    </a:solidFill>
+                                    <a:effectLst/>
+                                    <a:latin typeface="Cambria Math" panose="02040503050406030204" pitchFamily="18" charset="0"/>
+                                    <a:ea typeface="+mn-ea"/>
+                                    <a:cs typeface="+mn-cs"/>
+                                  </a:rPr>
+                                  <m:t>=(1−</m:t>
+                                </m:r>
+                                <m:r>
+                                  <m:rPr>
+                                    <m:sty m:val="p"/>
+                                  </m:rPr>
+                                  <a:rPr lang="en-US" altLang="zh-TW" sz="1800" b="0" i="0" kern="1200" smtClean="0">
+                                    <a:solidFill>
+                                      <a:schemeClr val="dk1"/>
+                                    </a:solidFill>
+                                    <a:effectLst/>
+                                    <a:latin typeface="Cambria Math" panose="02040503050406030204" pitchFamily="18" charset="0"/>
+                                    <a:ea typeface="+mn-ea"/>
+                                    <a:cs typeface="+mn-cs"/>
+                                  </a:rPr>
+                                  <m:t>N</m:t>
+                                </m:r>
+                                <m:r>
+                                  <a:rPr lang="en-US" altLang="zh-TW" sz="1800" b="0" i="0" kern="1200" smtClean="0">
+                                    <a:solidFill>
+                                      <a:schemeClr val="dk1"/>
+                                    </a:solidFill>
+                                    <a:effectLst/>
+                                    <a:latin typeface="Cambria Math" panose="02040503050406030204" pitchFamily="18" charset="0"/>
+                                    <a:ea typeface="+mn-ea"/>
+                                    <a:cs typeface="+mn-cs"/>
+                                  </a:rPr>
+                                  <m:t>)∅</m:t>
+                                </m:r>
+                              </m:oMath>
+                            </m:oMathPara>
+                          </a14:m>
+                          <a:endParaRPr lang="zh-TW" altLang="en-US" baseline="-25000" dirty="0">
+                            <a:solidFill>
+                              <a:schemeClr val="tx1"/>
+                            </a:solidFill>
+                          </a:endParaRPr>
+                        </a:p>
+                      </a:txBody>
+                      <a:tcPr>
+                        <a:lnL w="12700" cap="flat" cmpd="sng" algn="ctr">
+                          <a:solidFill>
+                            <a:schemeClr val="tx1"/>
+                          </a:solidFill>
+                          <a:prstDash val="solid"/>
+                          <a:round/>
+                          <a:headEnd type="none" w="med" len="med"/>
+                          <a:tailEnd type="none" w="med" len="med"/>
+                        </a:lnL>
+                        <a:lnR w="12700" cap="flat" cmpd="sng" algn="ctr">
+                          <a:solidFill>
+                            <a:schemeClr val="tx1"/>
+                          </a:solidFill>
+                          <a:prstDash val="solid"/>
+                          <a:round/>
+                          <a:headEnd type="none" w="med" len="med"/>
+                          <a:tailEnd type="none" w="med" len="med"/>
+                        </a:lnR>
+                        <a:lnT w="12700" cap="flat" cmpd="sng" algn="ctr">
+                          <a:solidFill>
+                            <a:schemeClr val="tx1"/>
+                          </a:solidFill>
+                          <a:prstDash val="solid"/>
+                          <a:round/>
+                          <a:headEnd type="none" w="med" len="med"/>
+                          <a:tailEnd type="none" w="med" len="med"/>
+                        </a:lnT>
+                        <a:lnB w="12700" cap="flat" cmpd="sng" algn="ctr">
+                          <a:solidFill>
+                            <a:schemeClr val="tx1"/>
+                          </a:solidFill>
+                          <a:prstDash val="solid"/>
+                          <a:round/>
+                          <a:headEnd type="none" w="med" len="med"/>
+                          <a:tailEnd type="none" w="med" len="med"/>
+                        </a:lnB>
+                        <a:noFill/>
+                      </a:tcPr>
+                    </a:tc>
+                    <a:tc>
+                      <a:txBody>
+                        <a:bodyPr/>
+                        <a:lstStyle/>
+                        <a:p>
+                          <a:pPr marL="0" marR="0" lvl="0" indent="0" algn="l" defTabSz="914400" rtl="0" eaLnBrk="1" fontAlgn="auto" latinLnBrk="0" hangingPunct="1">
+                            <a:lnSpc>
+                              <a:spcPct val="100000"/>
+                            </a:lnSpc>
+                            <a:spcBef>
+                              <a:spcPts val="0"/>
+                            </a:spcBef>
+                            <a:spcAft>
+                              <a:spcPts val="0"/>
+                            </a:spcAft>
+                            <a:buClrTx/>
+                            <a:buSzTx/>
+                            <a:buFontTx/>
+                            <a:buNone/>
+                            <a:tabLst/>
+                            <a:defRPr/>
+                          </a:pPr>
+                          <a14:m>
+                            <m:oMath xmlns:m="http://schemas.openxmlformats.org/officeDocument/2006/math">
+                              <m:r>
+                                <a:rPr lang="en-US" altLang="zh-TW" sz="1800" kern="1200" smtClean="0">
+                                  <a:solidFill>
+                                    <a:schemeClr val="dk1"/>
+                                  </a:solidFill>
+                                  <a:effectLst/>
+                                  <a:latin typeface="Cambria Math" panose="02040503050406030204" pitchFamily="18" charset="0"/>
+                                  <a:ea typeface="+mn-ea"/>
+                                  <a:cs typeface="+mn-cs"/>
+                                </a:rPr>
+                                <m:t>∅</m:t>
+                              </m:r>
+                              <m:r>
+                                <a:rPr lang="en-US" altLang="zh-TW" sz="1800" b="0" i="0" kern="1200" baseline="-25000" smtClean="0">
+                                  <a:solidFill>
+                                    <a:schemeClr val="dk1"/>
+                                  </a:solidFill>
+                                  <a:effectLst/>
+                                  <a:latin typeface="Cambria Math" panose="02040503050406030204" pitchFamily="18" charset="0"/>
+                                  <a:ea typeface="+mn-ea"/>
+                                  <a:cs typeface="+mn-cs"/>
+                                </a:rPr>
+                                <m:t>3</m:t>
+                              </m:r>
+                            </m:oMath>
+                          </a14:m>
+                          <a:r>
+                            <a:rPr lang="en-US" altLang="zh-TW" dirty="0">
+                              <a:solidFill>
+                                <a:schemeClr val="tx1"/>
+                              </a:solidFill>
+                            </a:rPr>
+                            <a:t>=</a:t>
+                          </a:r>
+                          <a:r>
+                            <a:rPr lang="zh-TW" altLang="en-US" dirty="0">
+                              <a:solidFill>
+                                <a:schemeClr val="tx1"/>
+                              </a:solidFill>
+                            </a:rPr>
+                            <a:t> </a:t>
+                          </a:r>
+                          <a14:m>
+                            <m:oMath xmlns:m="http://schemas.openxmlformats.org/officeDocument/2006/math">
+                              <m:r>
+                                <a:rPr lang="en-US" altLang="zh-TW" sz="1800" kern="1200" smtClean="0">
+                                  <a:solidFill>
+                                    <a:schemeClr val="dk1"/>
+                                  </a:solidFill>
+                                  <a:effectLst/>
+                                  <a:latin typeface="Cambria Math" panose="02040503050406030204" pitchFamily="18" charset="0"/>
+                                  <a:ea typeface="+mn-ea"/>
+                                  <a:cs typeface="+mn-cs"/>
+                                </a:rPr>
+                                <m:t>∅</m:t>
+                              </m:r>
+                            </m:oMath>
+                          </a14:m>
+                          <a:endParaRPr lang="zh-TW" altLang="en-US" dirty="0">
+                            <a:solidFill>
+                              <a:schemeClr val="tx1"/>
+                            </a:solidFill>
+                          </a:endParaRPr>
+                        </a:p>
+                        <a:p>
                           <a:endParaRPr lang="zh-TW" altLang="en-US" dirty="0">
                             <a:solidFill>
                               <a:schemeClr val="tx1"/>
@@ -6451,60 +7577,102 @@
                         <a:bodyPr/>
                         <a:lstStyle/>
                         <a:p>
-                          <a:pPr/>
-                          <a:endParaRPr lang="zh-TW" altLang="en-US" dirty="0">
+                          <a:pPr marL="0" marR="0" lvl="0" indent="0" algn="l" defTabSz="914400" rtl="0" eaLnBrk="1" fontAlgn="auto" latinLnBrk="0" hangingPunct="1">
+                            <a:lnSpc>
+                              <a:spcPct val="100000"/>
+                            </a:lnSpc>
+                            <a:spcBef>
+                              <a:spcPts val="0"/>
+                            </a:spcBef>
+                            <a:spcAft>
+                              <a:spcPts val="0"/>
+                            </a:spcAft>
+                            <a:buClrTx/>
+                            <a:buSzTx/>
+                            <a:buFontTx/>
+                            <a:buNone/>
+                            <a:tabLst/>
+                            <a:defRPr/>
+                          </a:pPr>
+                          <a14:m>
+                            <m:oMathPara xmlns:m="http://schemas.openxmlformats.org/officeDocument/2006/math">
+                              <m:oMathParaPr>
+                                <m:jc m:val="centerGroup"/>
+                              </m:oMathParaPr>
+                              <m:oMath xmlns:m="http://schemas.openxmlformats.org/officeDocument/2006/math">
+                                <m:r>
+                                  <a:rPr lang="en-US" altLang="zh-TW" sz="1800" kern="1200" smtClean="0">
+                                    <a:solidFill>
+                                      <a:schemeClr val="dk1"/>
+                                    </a:solidFill>
+                                    <a:effectLst/>
+                                    <a:latin typeface="Cambria Math" panose="02040503050406030204" pitchFamily="18" charset="0"/>
+                                    <a:ea typeface="+mn-ea"/>
+                                    <a:cs typeface="+mn-cs"/>
+                                  </a:rPr>
+                                  <m:t>∅</m:t>
+                                </m:r>
+                                <m:r>
+                                  <a:rPr lang="en-US" altLang="zh-TW" sz="1800" b="0" i="0" kern="1200" baseline="-25000" smtClean="0">
+                                    <a:solidFill>
+                                      <a:schemeClr val="dk1"/>
+                                    </a:solidFill>
+                                    <a:effectLst/>
+                                    <a:latin typeface="Cambria Math" panose="02040503050406030204" pitchFamily="18" charset="0"/>
+                                    <a:ea typeface="+mn-ea"/>
+                                    <a:cs typeface="+mn-cs"/>
+                                  </a:rPr>
+                                  <m:t>2</m:t>
+                                </m:r>
+                                <m:r>
+                                  <a:rPr lang="en-US" altLang="zh-TW" sz="1800" b="0" i="0" kern="1200" smtClean="0">
+                                    <a:solidFill>
+                                      <a:schemeClr val="dk1"/>
+                                    </a:solidFill>
+                                    <a:effectLst/>
+                                    <a:latin typeface="Cambria Math" panose="02040503050406030204" pitchFamily="18" charset="0"/>
+                                    <a:ea typeface="+mn-ea"/>
+                                    <a:cs typeface="+mn-cs"/>
+                                  </a:rPr>
+                                  <m:t>=−</m:t>
+                                </m:r>
+                                <m:r>
+                                  <m:rPr>
+                                    <m:sty m:val="p"/>
+                                  </m:rPr>
+                                  <a:rPr lang="en-US" altLang="zh-TW" sz="1800" b="0" i="0" kern="1200" smtClean="0">
+                                    <a:solidFill>
+                                      <a:schemeClr val="dk1"/>
+                                    </a:solidFill>
+                                    <a:effectLst/>
+                                    <a:latin typeface="Cambria Math" panose="02040503050406030204" pitchFamily="18" charset="0"/>
+                                    <a:ea typeface="+mn-ea"/>
+                                    <a:cs typeface="+mn-cs"/>
+                                  </a:rPr>
+                                  <m:t>N</m:t>
+                                </m:r>
+                                <m:r>
+                                  <a:rPr lang="en-US" altLang="zh-TW" sz="1800" b="0" i="0" kern="1200" smtClean="0">
+                                    <a:solidFill>
+                                      <a:schemeClr val="dk1"/>
+                                    </a:solidFill>
+                                    <a:effectLst/>
+                                    <a:latin typeface="Cambria Math" panose="02040503050406030204" pitchFamily="18" charset="0"/>
+                                    <a:ea typeface="+mn-ea"/>
+                                    <a:cs typeface="+mn-cs"/>
+                                  </a:rPr>
+                                  <m:t>∅</m:t>
+                                </m:r>
+                              </m:oMath>
+                            </m:oMathPara>
+                          </a14:m>
+                          <a:endParaRPr lang="zh-TW" altLang="en-US" baseline="-25000" dirty="0">
                             <a:solidFill>
                               <a:schemeClr val="tx1"/>
                             </a:solidFill>
                           </a:endParaRPr>
                         </a:p>
-                      </a:txBody>
-                      <a:tcPr>
-                        <a:lnL w="12700" cap="flat" cmpd="sng" algn="ctr">
-                          <a:solidFill>
-                            <a:schemeClr val="tx1"/>
-                          </a:solidFill>
-                          <a:prstDash val="solid"/>
-                          <a:round/>
-                          <a:headEnd type="none" w="med" len="med"/>
-                          <a:tailEnd type="none" w="med" len="med"/>
-                        </a:lnL>
-                        <a:lnR w="12700" cap="flat" cmpd="sng" algn="ctr">
-                          <a:solidFill>
-                            <a:schemeClr val="tx1"/>
-                          </a:solidFill>
-                          <a:prstDash val="solid"/>
-                          <a:round/>
-                          <a:headEnd type="none" w="med" len="med"/>
-                          <a:tailEnd type="none" w="med" len="med"/>
-                        </a:lnR>
-                        <a:lnT w="12700" cap="flat" cmpd="sng" algn="ctr">
-                          <a:solidFill>
-                            <a:schemeClr val="tx1"/>
-                          </a:solidFill>
-                          <a:prstDash val="solid"/>
-                          <a:round/>
-                          <a:headEnd type="none" w="med" len="med"/>
-                          <a:tailEnd type="none" w="med" len="med"/>
-                        </a:lnT>
-                        <a:lnB w="12700" cap="flat" cmpd="sng" algn="ctr">
-                          <a:solidFill>
-                            <a:schemeClr val="tx1"/>
-                          </a:solidFill>
-                          <a:prstDash val="solid"/>
-                          <a:round/>
-                          <a:headEnd type="none" w="med" len="med"/>
-                          <a:tailEnd type="none" w="med" len="med"/>
-                        </a:lnB>
-                        <a:noFill/>
-                      </a:tcPr>
-                    </a:tc>
-                    <a:tc>
-                      <a:txBody>
-                        <a:bodyPr/>
-                        <a:lstStyle/>
                         <a:p>
-                          <a:pPr/>
                           <a:endParaRPr lang="zh-TW" altLang="en-US" dirty="0">
                             <a:solidFill>
                               <a:schemeClr val="tx1"/>
@@ -6564,6 +7732,7 @@
                         <a:bodyPr/>
                         <a:lstStyle/>
                         <a:p>
+                          <a:pPr/>
                           <a14:m>
                             <m:oMathPara xmlns:m="http://schemas.openxmlformats.org/officeDocument/2006/math">
                               <m:oMathParaPr>
@@ -6579,7 +7748,7 @@
                                       <a:schemeClr val="dk1"/>
                                     </a:solidFill>
                                     <a:effectLst/>
-                                    <a:latin typeface="+mn-lt"/>
+                                    <a:latin typeface="Cambria Math" panose="02040503050406030204" pitchFamily="18" charset="0"/>
                                     <a:ea typeface="+mn-ea"/>
                                     <a:cs typeface="+mn-cs"/>
                                   </a:rPr>
@@ -6591,7 +7760,7 @@
                                       <a:schemeClr val="dk1"/>
                                     </a:solidFill>
                                     <a:effectLst/>
-                                    <a:latin typeface="+mn-lt"/>
+                                    <a:latin typeface="Cambria Math" panose="02040503050406030204" pitchFamily="18" charset="0"/>
                                     <a:ea typeface="+mn-ea"/>
                                     <a:cs typeface="+mn-cs"/>
                                   </a:rPr>
@@ -6606,7 +7775,7 @@
                                           <a:schemeClr val="dk1"/>
                                         </a:solidFill>
                                         <a:effectLst/>
-                                        <a:latin typeface="+mn-lt"/>
+                                        <a:latin typeface="Cambria Math" panose="02040503050406030204" pitchFamily="18" charset="0"/>
                                         <a:ea typeface="+mn-ea"/>
                                         <a:cs typeface="+mn-cs"/>
                                       </a:rPr>
@@ -6622,7 +7791,7 @@
                                               <a:schemeClr val="dk1"/>
                                             </a:solidFill>
                                             <a:effectLst/>
-                                            <a:latin typeface="+mn-lt"/>
+                                            <a:latin typeface="Cambria Math" panose="02040503050406030204" pitchFamily="18" charset="0"/>
                                             <a:ea typeface="+mn-ea"/>
                                             <a:cs typeface="+mn-cs"/>
                                           </a:rPr>
@@ -6638,7 +7807,7 @@
                                               <a:schemeClr val="dk1"/>
                                             </a:solidFill>
                                             <a:effectLst/>
-                                            <a:latin typeface="+mn-lt"/>
+                                            <a:latin typeface="Cambria Math" panose="02040503050406030204" pitchFamily="18" charset="0"/>
                                             <a:ea typeface="+mn-ea"/>
                                             <a:cs typeface="+mn-cs"/>
                                           </a:rPr>
@@ -6652,7 +7821,7 @@
                                               <a:schemeClr val="dk1"/>
                                             </a:solidFill>
                                             <a:effectLst/>
-                                            <a:latin typeface="+mn-lt"/>
+                                            <a:latin typeface="Cambria Math" panose="02040503050406030204" pitchFamily="18" charset="0"/>
                                             <a:ea typeface="+mn-ea"/>
                                             <a:cs typeface="+mn-cs"/>
                                           </a:rPr>
@@ -6666,7 +7835,7 @@
                                           <a:schemeClr val="dk1"/>
                                         </a:solidFill>
                                         <a:effectLst/>
-                                        <a:latin typeface="+mn-lt"/>
+                                        <a:latin typeface="Cambria Math" panose="02040503050406030204" pitchFamily="18" charset="0"/>
                                         <a:ea typeface="+mn-ea"/>
                                         <a:cs typeface="+mn-cs"/>
                                       </a:rPr>
@@ -6680,7 +7849,7 @@
                                               <a:schemeClr val="dk1"/>
                                             </a:solidFill>
                                             <a:effectLst/>
-                                            <a:latin typeface="+mn-lt"/>
+                                            <a:latin typeface="Cambria Math" panose="02040503050406030204" pitchFamily="18" charset="0"/>
                                             <a:ea typeface="+mn-ea"/>
                                             <a:cs typeface="+mn-cs"/>
                                           </a:rPr>
@@ -6693,7 +7862,7 @@
                                               <a:schemeClr val="dk1"/>
                                             </a:solidFill>
                                             <a:effectLst/>
-                                            <a:latin typeface="+mn-lt"/>
+                                            <a:latin typeface="Cambria Math" panose="02040503050406030204" pitchFamily="18" charset="0"/>
                                             <a:ea typeface="+mn-ea"/>
                                             <a:cs typeface="+mn-cs"/>
                                           </a:rPr>
@@ -6708,7 +7877,7 @@
                                               <a:schemeClr val="dk1"/>
                                             </a:solidFill>
                                             <a:effectLst/>
-                                            <a:latin typeface="+mn-lt"/>
+                                            <a:latin typeface="Cambria Math" panose="02040503050406030204" pitchFamily="18" charset="0"/>
                                             <a:ea typeface="+mn-ea"/>
                                             <a:cs typeface="+mn-cs"/>
                                           </a:rPr>
@@ -6720,7 +7889,7 @@
                                               <a:schemeClr val="dk1"/>
                                             </a:solidFill>
                                             <a:effectLst/>
-                                            <a:latin typeface="+mn-lt"/>
+                                            <a:latin typeface="Cambria Math" panose="02040503050406030204" pitchFamily="18" charset="0"/>
                                             <a:ea typeface="+mn-ea"/>
                                             <a:cs typeface="+mn-cs"/>
                                           </a:rPr>
@@ -6734,7 +7903,7 @@
                                               <a:schemeClr val="dk1"/>
                                             </a:solidFill>
                                             <a:effectLst/>
-                                            <a:latin typeface="+mn-lt"/>
+                                            <a:latin typeface="Cambria Math" panose="02040503050406030204" pitchFamily="18" charset="0"/>
                                             <a:ea typeface="+mn-ea"/>
                                             <a:cs typeface="+mn-cs"/>
                                           </a:rPr>
@@ -6748,7 +7917,7 @@
                                           <a:schemeClr val="dk1"/>
                                         </a:solidFill>
                                         <a:effectLst/>
-                                        <a:latin typeface="+mn-lt"/>
+                                        <a:latin typeface="Cambria Math" panose="02040503050406030204" pitchFamily="18" charset="0"/>
                                         <a:ea typeface="+mn-ea"/>
                                         <a:cs typeface="+mn-cs"/>
                                       </a:rPr>
@@ -6760,7 +7929,7 @@
                                           <a:schemeClr val="dk1"/>
                                         </a:solidFill>
                                         <a:effectLst/>
-                                        <a:latin typeface="+mn-lt"/>
+                                        <a:latin typeface="Cambria Math" panose="02040503050406030204" pitchFamily="18" charset="0"/>
                                         <a:ea typeface="+mn-ea"/>
                                         <a:cs typeface="+mn-cs"/>
                                       </a:rPr>
@@ -6775,7 +7944,7 @@
                                           <a:schemeClr val="dk1"/>
                                         </a:solidFill>
                                         <a:effectLst/>
-                                        <a:latin typeface="+mn-lt"/>
+                                        <a:latin typeface="Cambria Math" panose="02040503050406030204" pitchFamily="18" charset="0"/>
                                         <a:ea typeface="+mn-ea"/>
                                         <a:cs typeface="+mn-cs"/>
                                       </a:rPr>
@@ -6787,7 +7956,7 @@
                                           <a:schemeClr val="dk1"/>
                                         </a:solidFill>
                                         <a:effectLst/>
-                                        <a:latin typeface="+mn-lt"/>
+                                        <a:latin typeface="Cambria Math" panose="02040503050406030204" pitchFamily="18" charset="0"/>
                                         <a:ea typeface="+mn-ea"/>
                                         <a:cs typeface="+mn-cs"/>
                                       </a:rPr>
@@ -6802,7 +7971,7 @@
                                           <a:schemeClr val="dk1"/>
                                         </a:solidFill>
                                         <a:effectLst/>
-                                        <a:latin typeface="+mn-lt"/>
+                                        <a:latin typeface="Cambria Math" panose="02040503050406030204" pitchFamily="18" charset="0"/>
                                         <a:ea typeface="+mn-ea"/>
                                         <a:cs typeface="+mn-cs"/>
                                       </a:rPr>
@@ -6814,7 +7983,7 @@
                                           <a:schemeClr val="dk1"/>
                                         </a:solidFill>
                                         <a:effectLst/>
-                                        <a:latin typeface="+mn-lt"/>
+                                        <a:latin typeface="Cambria Math" panose="02040503050406030204" pitchFamily="18" charset="0"/>
                                         <a:ea typeface="+mn-ea"/>
                                         <a:cs typeface="+mn-cs"/>
                                       </a:rPr>
@@ -6826,7 +7995,7 @@
                                           <a:schemeClr val="dk1"/>
                                         </a:solidFill>
                                         <a:effectLst/>
-                                        <a:latin typeface="+mn-lt"/>
+                                        <a:latin typeface="Cambria Math" panose="02040503050406030204" pitchFamily="18" charset="0"/>
                                         <a:ea typeface="+mn-ea"/>
                                         <a:cs typeface="+mn-cs"/>
                                       </a:rPr>
@@ -6841,7 +8010,7 @@
                                           <a:schemeClr val="dk1"/>
                                         </a:solidFill>
                                         <a:effectLst/>
-                                        <a:latin typeface="+mn-lt"/>
+                                        <a:latin typeface="Cambria Math" panose="02040503050406030204" pitchFamily="18" charset="0"/>
                                         <a:ea typeface="+mn-ea"/>
                                         <a:cs typeface="+mn-cs"/>
                                       </a:rPr>
@@ -6853,11 +8022,11 @@
                                           <a:schemeClr val="dk1"/>
                                         </a:solidFill>
                                         <a:effectLst/>
-                                        <a:latin typeface="+mn-lt"/>
+                                        <a:latin typeface="Cambria Math" panose="02040503050406030204" pitchFamily="18" charset="0"/>
                                         <a:ea typeface="+mn-ea"/>
                                         <a:cs typeface="+mn-cs"/>
                                       </a:rPr>
-                                      <m:t>)ø)</m:t>
+                                      <m:t>)∅)</m:t>
                                     </m:r>
                                   </m:e>
                                 </m:rad>
@@ -6867,7 +8036,7 @@
                                       <a:schemeClr val="dk1"/>
                                     </a:solidFill>
                                     <a:effectLst/>
-                                    <a:latin typeface="+mn-lt"/>
+                                    <a:latin typeface="Cambria Math" panose="02040503050406030204" pitchFamily="18" charset="0"/>
                                     <a:ea typeface="+mn-ea"/>
                                     <a:cs typeface="+mn-cs"/>
                                   </a:rPr>
@@ -6879,7 +8048,7 @@
                                       <a:schemeClr val="dk1"/>
                                     </a:solidFill>
                                     <a:effectLst/>
-                                    <a:latin typeface="+mn-lt"/>
+                                    <a:latin typeface="Cambria Math" panose="02040503050406030204" pitchFamily="18" charset="0"/>
                                     <a:ea typeface="+mn-ea"/>
                                     <a:cs typeface="+mn-cs"/>
                                   </a:rPr>
@@ -6894,7 +8063,7 @@
                                       <a:schemeClr val="dk1"/>
                                     </a:solidFill>
                                     <a:effectLst/>
-                                    <a:latin typeface="+mn-lt"/>
+                                    <a:latin typeface="Cambria Math" panose="02040503050406030204" pitchFamily="18" charset="0"/>
                                     <a:ea typeface="+mn-ea"/>
                                     <a:cs typeface="+mn-cs"/>
                                   </a:rPr>
@@ -6961,6 +8130,365 @@
                         <a:bodyPr/>
                         <a:lstStyle/>
                         <a:p>
+                          <a:pPr marL="0" marR="0" lvl="0" indent="0" algn="l" defTabSz="914400" rtl="0" eaLnBrk="1" fontAlgn="auto" latinLnBrk="0" hangingPunct="1">
+                            <a:lnSpc>
+                              <a:spcPct val="100000"/>
+                            </a:lnSpc>
+                            <a:spcBef>
+                              <a:spcPts val="0"/>
+                            </a:spcBef>
+                            <a:spcAft>
+                              <a:spcPts val="0"/>
+                            </a:spcAft>
+                            <a:buClrTx/>
+                            <a:buSzTx/>
+                            <a:buFontTx/>
+                            <a:buNone/>
+                            <a:tabLst/>
+                            <a:defRPr/>
+                          </a:pPr>
+                          <a14:m>
+                            <m:oMathPara xmlns:m="http://schemas.openxmlformats.org/officeDocument/2006/math">
+                              <m:oMathParaPr>
+                                <m:jc m:val="centerGroup"/>
+                              </m:oMathParaPr>
+                              <m:oMath xmlns:m="http://schemas.openxmlformats.org/officeDocument/2006/math">
+                                <m:r>
+                                  <m:rPr>
+                                    <m:sty m:val="p"/>
+                                  </m:rPr>
+                                  <a:rPr lang="en-US" altLang="zh-TW" sz="1800" kern="1200" smtClean="0">
+                                    <a:solidFill>
+                                      <a:schemeClr val="dk1"/>
+                                    </a:solidFill>
+                                    <a:effectLst/>
+                                    <a:latin typeface="Cambria Math" panose="02040503050406030204" pitchFamily="18" charset="0"/>
+                                    <a:ea typeface="+mn-ea"/>
+                                    <a:cs typeface="+mn-cs"/>
+                                  </a:rPr>
+                                  <m:t>L</m:t>
+                                </m:r>
+                                <m:r>
+                                  <a:rPr lang="en-US" altLang="zh-TW" sz="1800" kern="1200" smtClean="0">
+                                    <a:solidFill>
+                                      <a:schemeClr val="dk1"/>
+                                    </a:solidFill>
+                                    <a:effectLst/>
+                                    <a:latin typeface="Cambria Math" panose="02040503050406030204" pitchFamily="18" charset="0"/>
+                                    <a:ea typeface="+mn-ea"/>
+                                    <a:cs typeface="+mn-cs"/>
+                                  </a:rPr>
+                                  <m:t>= </m:t>
+                                </m:r>
+                                <m:rad>
+                                  <m:radPr>
+                                    <m:degHide m:val="on"/>
+                                    <m:ctrlPr>
+                                      <a:rPr lang="zh-TW" altLang="zh-TW" sz="1800" i="1" kern="1200">
+                                        <a:solidFill>
+                                          <a:schemeClr val="dk1"/>
+                                        </a:solidFill>
+                                        <a:effectLst/>
+                                        <a:latin typeface="Cambria Math" panose="02040503050406030204" pitchFamily="18" charset="0"/>
+                                        <a:ea typeface="+mn-ea"/>
+                                        <a:cs typeface="+mn-cs"/>
+                                      </a:rPr>
+                                    </m:ctrlPr>
+                                  </m:radPr>
+                                  <m:deg/>
+                                  <m:e>
+                                    <m:sSup>
+                                      <m:sSupPr>
+                                        <m:ctrlPr>
+                                          <a:rPr lang="zh-TW" altLang="zh-TW" sz="1800" i="1" kern="1200">
+                                            <a:solidFill>
+                                              <a:schemeClr val="dk1"/>
+                                            </a:solidFill>
+                                            <a:effectLst/>
+                                            <a:latin typeface="Cambria Math" panose="02040503050406030204" pitchFamily="18" charset="0"/>
+                                            <a:ea typeface="+mn-ea"/>
+                                            <a:cs typeface="+mn-cs"/>
+                                          </a:rPr>
+                                        </m:ctrlPr>
+                                      </m:sSupPr>
+                                      <m:e>
+                                        <m:r>
+                                          <m:rPr>
+                                            <m:sty m:val="p"/>
+                                          </m:rPr>
+                                          <a:rPr lang="en-US" altLang="zh-TW" sz="1800" kern="1200">
+                                            <a:solidFill>
+                                              <a:schemeClr val="dk1"/>
+                                            </a:solidFill>
+                                            <a:effectLst/>
+                                            <a:latin typeface="Cambria Math" panose="02040503050406030204" pitchFamily="18" charset="0"/>
+                                            <a:ea typeface="+mn-ea"/>
+                                            <a:cs typeface="+mn-cs"/>
+                                          </a:rPr>
+                                          <m:t>R</m:t>
+                                        </m:r>
+                                      </m:e>
+                                      <m:sup>
+                                        <m:r>
+                                          <a:rPr lang="en-US" altLang="zh-TW" sz="1800" i="1" kern="1200">
+                                            <a:solidFill>
+                                              <a:schemeClr val="dk1"/>
+                                            </a:solidFill>
+                                            <a:effectLst/>
+                                            <a:latin typeface="Cambria Math" panose="02040503050406030204" pitchFamily="18" charset="0"/>
+                                            <a:ea typeface="+mn-ea"/>
+                                            <a:cs typeface="+mn-cs"/>
+                                          </a:rPr>
+                                          <m:t>2</m:t>
+                                        </m:r>
+                                      </m:sup>
+                                    </m:sSup>
+                                    <m:r>
+                                      <a:rPr lang="en-US" altLang="zh-TW" sz="1800" kern="1200">
+                                        <a:solidFill>
+                                          <a:schemeClr val="dk1"/>
+                                        </a:solidFill>
+                                        <a:effectLst/>
+                                        <a:latin typeface="Cambria Math" panose="02040503050406030204" pitchFamily="18" charset="0"/>
+                                        <a:ea typeface="+mn-ea"/>
+                                        <a:cs typeface="+mn-cs"/>
+                                      </a:rPr>
+                                      <m:t>+</m:t>
+                                    </m:r>
+                                    <m:sSup>
+                                      <m:sSupPr>
+                                        <m:ctrlPr>
+                                          <a:rPr lang="zh-TW" altLang="zh-TW" sz="1800" i="1" kern="1200">
+                                            <a:solidFill>
+                                              <a:schemeClr val="dk1"/>
+                                            </a:solidFill>
+                                            <a:effectLst/>
+                                            <a:latin typeface="Cambria Math" panose="02040503050406030204" pitchFamily="18" charset="0"/>
+                                            <a:ea typeface="+mn-ea"/>
+                                            <a:cs typeface="+mn-cs"/>
+                                          </a:rPr>
+                                        </m:ctrlPr>
+                                      </m:sSupPr>
+                                      <m:e>
+                                        <m:r>
+                                          <a:rPr lang="en-US" altLang="zh-TW" sz="1800" kern="1200">
+                                            <a:solidFill>
+                                              <a:schemeClr val="dk1"/>
+                                            </a:solidFill>
+                                            <a:effectLst/>
+                                            <a:latin typeface="Cambria Math" panose="02040503050406030204" pitchFamily="18" charset="0"/>
+                                            <a:ea typeface="+mn-ea"/>
+                                            <a:cs typeface="+mn-cs"/>
+                                          </a:rPr>
+                                          <m:t>(</m:t>
+                                        </m:r>
+                                        <m:r>
+                                          <m:rPr>
+                                            <m:sty m:val="p"/>
+                                          </m:rPr>
+                                          <a:rPr lang="en-US" altLang="zh-TW" sz="1800" kern="1200">
+                                            <a:solidFill>
+                                              <a:schemeClr val="dk1"/>
+                                            </a:solidFill>
+                                            <a:effectLst/>
+                                            <a:latin typeface="Cambria Math" panose="02040503050406030204" pitchFamily="18" charset="0"/>
+                                            <a:ea typeface="+mn-ea"/>
+                                            <a:cs typeface="+mn-cs"/>
+                                          </a:rPr>
+                                          <m:t>EN</m:t>
+                                        </m:r>
+                                        <m:r>
+                                          <a:rPr lang="en-US" altLang="zh-TW" sz="1800" kern="1200">
+                                            <a:solidFill>
+                                              <a:schemeClr val="dk1"/>
+                                            </a:solidFill>
+                                            <a:effectLst/>
+                                            <a:latin typeface="Cambria Math" panose="02040503050406030204" pitchFamily="18" charset="0"/>
+                                            <a:ea typeface="+mn-ea"/>
+                                            <a:cs typeface="+mn-cs"/>
+                                          </a:rPr>
+                                          <m:t>)</m:t>
+                                        </m:r>
+                                      </m:e>
+                                      <m:sup>
+                                        <m:r>
+                                          <a:rPr lang="en-US" altLang="zh-TW" sz="1800" i="1" kern="1200">
+                                            <a:solidFill>
+                                              <a:schemeClr val="dk1"/>
+                                            </a:solidFill>
+                                            <a:effectLst/>
+                                            <a:latin typeface="Cambria Math" panose="02040503050406030204" pitchFamily="18" charset="0"/>
+                                            <a:ea typeface="+mn-ea"/>
+                                            <a:cs typeface="+mn-cs"/>
+                                          </a:rPr>
+                                          <m:t>2</m:t>
+                                        </m:r>
+                                      </m:sup>
+                                    </m:sSup>
+                                    <m:r>
+                                      <a:rPr lang="en-US" altLang="zh-TW" sz="1800" i="1" kern="1200">
+                                        <a:solidFill>
+                                          <a:schemeClr val="dk1"/>
+                                        </a:solidFill>
+                                        <a:effectLst/>
+                                        <a:latin typeface="Cambria Math" panose="02040503050406030204" pitchFamily="18" charset="0"/>
+                                        <a:ea typeface="+mn-ea"/>
+                                        <a:cs typeface="+mn-cs"/>
+                                      </a:rPr>
+                                      <m:t>−</m:t>
+                                    </m:r>
+                                    <m:r>
+                                      <a:rPr lang="en-US" altLang="zh-TW" sz="1800" kern="1200">
+                                        <a:solidFill>
+                                          <a:schemeClr val="dk1"/>
+                                        </a:solidFill>
+                                        <a:effectLst/>
+                                        <a:latin typeface="Cambria Math" panose="02040503050406030204" pitchFamily="18" charset="0"/>
+                                        <a:ea typeface="+mn-ea"/>
+                                        <a:cs typeface="+mn-cs"/>
+                                      </a:rPr>
+                                      <m:t>2</m:t>
+                                    </m:r>
+                                    <m:r>
+                                      <m:rPr>
+                                        <m:sty m:val="p"/>
+                                      </m:rPr>
+                                      <a:rPr lang="en-US" altLang="zh-TW" sz="1800" kern="1200">
+                                        <a:solidFill>
+                                          <a:schemeClr val="dk1"/>
+                                        </a:solidFill>
+                                        <a:effectLst/>
+                                        <a:latin typeface="Cambria Math" panose="02040503050406030204" pitchFamily="18" charset="0"/>
+                                        <a:ea typeface="+mn-ea"/>
+                                        <a:cs typeface="+mn-cs"/>
+                                      </a:rPr>
+                                      <m:t>REN</m:t>
+                                    </m:r>
+                                    <m:r>
+                                      <a:rPr lang="zh-TW" altLang="zh-TW" sz="1800" kern="1200">
+                                        <a:solidFill>
+                                          <a:schemeClr val="dk1"/>
+                                        </a:solidFill>
+                                        <a:effectLst/>
+                                        <a:latin typeface="Cambria Math" panose="02040503050406030204" pitchFamily="18" charset="0"/>
+                                        <a:ea typeface="+mn-ea"/>
+                                        <a:cs typeface="+mn-cs"/>
+                                      </a:rPr>
+                                      <m:t>×</m:t>
+                                    </m:r>
+                                    <m:r>
+                                      <m:rPr>
+                                        <m:sty m:val="p"/>
+                                      </m:rPr>
+                                      <a:rPr lang="en-US" altLang="zh-TW" sz="1800" kern="1200">
+                                        <a:solidFill>
+                                          <a:schemeClr val="dk1"/>
+                                        </a:solidFill>
+                                        <a:effectLst/>
+                                        <a:latin typeface="Cambria Math" panose="02040503050406030204" pitchFamily="18" charset="0"/>
+                                        <a:ea typeface="+mn-ea"/>
+                                        <a:cs typeface="+mn-cs"/>
+                                      </a:rPr>
+                                      <m:t>cos</m:t>
+                                    </m:r>
+                                    <m:r>
+                                      <a:rPr lang="en-US" altLang="zh-TW" sz="1800" kern="1200">
+                                        <a:solidFill>
+                                          <a:schemeClr val="dk1"/>
+                                        </a:solidFill>
+                                        <a:effectLst/>
+                                        <a:latin typeface="Cambria Math" panose="02040503050406030204" pitchFamily="18" charset="0"/>
+                                        <a:ea typeface="+mn-ea"/>
+                                        <a:cs typeface="+mn-cs"/>
+                                      </a:rPr>
+                                      <m:t>((1</m:t>
+                                    </m:r>
+                                    <m:r>
+                                      <a:rPr lang="en-US" altLang="zh-TW" sz="1800" b="0" i="1" kern="1200" smtClean="0">
+                                        <a:solidFill>
+                                          <a:schemeClr val="dk1"/>
+                                        </a:solidFill>
+                                        <a:effectLst/>
+                                        <a:latin typeface="Cambria Math" panose="02040503050406030204" pitchFamily="18" charset="0"/>
+                                        <a:ea typeface="+mn-ea"/>
+                                        <a:cs typeface="+mn-cs"/>
+                                      </a:rPr>
+                                      <m:t>+</m:t>
+                                    </m:r>
+                                    <m:r>
+                                      <m:rPr>
+                                        <m:sty m:val="p"/>
+                                      </m:rPr>
+                                      <a:rPr lang="en-US" altLang="zh-TW" sz="1800" kern="1200">
+                                        <a:solidFill>
+                                          <a:schemeClr val="dk1"/>
+                                        </a:solidFill>
+                                        <a:effectLst/>
+                                        <a:latin typeface="Cambria Math" panose="02040503050406030204" pitchFamily="18" charset="0"/>
+                                        <a:ea typeface="+mn-ea"/>
+                                        <a:cs typeface="+mn-cs"/>
+                                      </a:rPr>
+                                      <m:t>N</m:t>
+                                    </m:r>
+                                    <m:r>
+                                      <a:rPr lang="en-US" altLang="zh-TW" sz="1800" kern="1200">
+                                        <a:solidFill>
+                                          <a:schemeClr val="dk1"/>
+                                        </a:solidFill>
+                                        <a:effectLst/>
+                                        <a:latin typeface="Cambria Math" panose="02040503050406030204" pitchFamily="18" charset="0"/>
+                                        <a:ea typeface="+mn-ea"/>
+                                        <a:cs typeface="+mn-cs"/>
+                                      </a:rPr>
+                                      <m:t>)∅)</m:t>
+                                    </m:r>
+                                  </m:e>
+                                </m:rad>
+                                <m:r>
+                                  <a:rPr lang="en-US" altLang="zh-TW" sz="1800" b="0" i="1" kern="1200" smtClean="0">
+                                    <a:solidFill>
+                                      <a:schemeClr val="dk1"/>
+                                    </a:solidFill>
+                                    <a:effectLst/>
+                                    <a:latin typeface="Cambria Math" panose="02040503050406030204" pitchFamily="18" charset="0"/>
+                                    <a:ea typeface="+mn-ea"/>
+                                    <a:cs typeface="+mn-cs"/>
+                                  </a:rPr>
+                                  <m:t>+</m:t>
+                                </m:r>
+                                <m:r>
+                                  <a:rPr lang="en-US" altLang="zh-TW" sz="1800" kern="1200">
+                                    <a:solidFill>
+                                      <a:schemeClr val="dk1"/>
+                                    </a:solidFill>
+                                    <a:effectLst/>
+                                    <a:latin typeface="Cambria Math" panose="02040503050406030204" pitchFamily="18" charset="0"/>
+                                    <a:ea typeface="+mn-ea"/>
+                                    <a:cs typeface="+mn-cs"/>
+                                  </a:rPr>
+                                  <m:t> </m:t>
+                                </m:r>
+                                <m:r>
+                                  <m:rPr>
+                                    <m:sty m:val="p"/>
+                                  </m:rPr>
+                                  <a:rPr lang="en-US" altLang="zh-TW" sz="1800" kern="1200">
+                                    <a:solidFill>
+                                      <a:schemeClr val="dk1"/>
+                                    </a:solidFill>
+                                    <a:effectLst/>
+                                    <a:latin typeface="Cambria Math" panose="02040503050406030204" pitchFamily="18" charset="0"/>
+                                    <a:ea typeface="+mn-ea"/>
+                                    <a:cs typeface="+mn-cs"/>
+                                  </a:rPr>
+                                  <m:t>Rr</m:t>
+                                </m:r>
+                              </m:oMath>
+                            </m:oMathPara>
+                          </a14:m>
+                          <a:endParaRPr lang="zh-TW" altLang="en-US" dirty="0"/>
+                        </a:p>
+                        <a:p>
                           <a:endParaRPr lang="zh-TW" altLang="en-US" dirty="0"/>
                         </a:p>
                       </a:txBody>
@@ -7026,6 +8554,7 @@
                         <a:bodyPr/>
                         <a:lstStyle/>
                         <a:p>
+                          <a:pPr/>
                           <a14:m>
                             <m:oMathPara xmlns:m="http://schemas.openxmlformats.org/officeDocument/2006/math">
                               <m:oMathParaPr>
@@ -7040,7 +8569,7 @@
                                           <a:schemeClr val="dk1"/>
                                         </a:solidFill>
                                         <a:effectLst/>
-                                        <a:latin typeface="+mn-lt"/>
+                                        <a:latin typeface="Cambria Math" panose="02040503050406030204" pitchFamily="18" charset="0"/>
                                         <a:ea typeface="+mn-ea"/>
                                         <a:cs typeface="+mn-cs"/>
                                       </a:rPr>
@@ -7056,7 +8585,7 @@
                                           <a:schemeClr val="dk1"/>
                                         </a:solidFill>
                                         <a:effectLst/>
-                                        <a:latin typeface="+mn-lt"/>
+                                        <a:latin typeface="Cambria Math" panose="02040503050406030204" pitchFamily="18" charset="0"/>
                                         <a:ea typeface="+mn-ea"/>
                                         <a:cs typeface="+mn-cs"/>
                                       </a:rPr>
@@ -7070,7 +8599,7 @@
                                           <a:schemeClr val="dk1"/>
                                         </a:solidFill>
                                         <a:effectLst/>
-                                        <a:latin typeface="+mn-lt"/>
+                                        <a:latin typeface="Cambria Math" panose="02040503050406030204" pitchFamily="18" charset="0"/>
                                         <a:ea typeface="+mn-ea"/>
                                         <a:cs typeface="+mn-cs"/>
                                       </a:rPr>
@@ -7084,7 +8613,7 @@
                                       <a:schemeClr val="dk1"/>
                                     </a:solidFill>
                                     <a:effectLst/>
-                                    <a:latin typeface="+mn-lt"/>
+                                    <a:latin typeface="Cambria Math" panose="02040503050406030204" pitchFamily="18" charset="0"/>
                                     <a:ea typeface="+mn-ea"/>
                                     <a:cs typeface="+mn-cs"/>
                                   </a:rPr>
@@ -7099,7 +8628,7 @@
                                       <a:schemeClr val="dk1"/>
                                     </a:solidFill>
                                     <a:effectLst/>
-                                    <a:latin typeface="+mn-lt"/>
+                                    <a:latin typeface="Cambria Math" panose="02040503050406030204" pitchFamily="18" charset="0"/>
                                     <a:ea typeface="+mn-ea"/>
                                     <a:cs typeface="+mn-cs"/>
                                   </a:rPr>
@@ -7111,7 +8640,7 @@
                                       <a:schemeClr val="dk1"/>
                                     </a:solidFill>
                                     <a:effectLst/>
-                                    <a:latin typeface="+mn-lt"/>
+                                    <a:latin typeface="Cambria Math" panose="02040503050406030204" pitchFamily="18" charset="0"/>
                                     <a:ea typeface="+mn-ea"/>
                                     <a:cs typeface="+mn-cs"/>
                                   </a:rPr>
@@ -7126,7 +8655,7 @@
                                       <a:schemeClr val="dk1"/>
                                     </a:solidFill>
                                     <a:effectLst/>
-                                    <a:latin typeface="+mn-lt"/>
+                                    <a:latin typeface="Cambria Math" panose="02040503050406030204" pitchFamily="18" charset="0"/>
                                     <a:ea typeface="+mn-ea"/>
                                     <a:cs typeface="+mn-cs"/>
                                   </a:rPr>
@@ -7138,7 +8667,7 @@
                                       <a:schemeClr val="dk1"/>
                                     </a:solidFill>
                                     <a:effectLst/>
-                                    <a:latin typeface="+mn-lt"/>
+                                    <a:latin typeface="Cambria Math" panose="02040503050406030204" pitchFamily="18" charset="0"/>
                                     <a:ea typeface="+mn-ea"/>
                                     <a:cs typeface="+mn-cs"/>
                                   </a:rPr>
@@ -7153,7 +8682,7 @@
                                       <a:schemeClr val="dk1"/>
                                     </a:solidFill>
                                     <a:effectLst/>
-                                    <a:latin typeface="+mn-lt"/>
+                                    <a:latin typeface="Cambria Math" panose="02040503050406030204" pitchFamily="18" charset="0"/>
                                     <a:ea typeface="+mn-ea"/>
                                     <a:cs typeface="+mn-cs"/>
                                   </a:rPr>
@@ -7165,7 +8694,7 @@
                                       <a:schemeClr val="dk1"/>
                                     </a:solidFill>
                                     <a:effectLst/>
-                                    <a:latin typeface="+mn-lt"/>
+                                    <a:latin typeface="Cambria Math" panose="02040503050406030204" pitchFamily="18" charset="0"/>
                                     <a:ea typeface="+mn-ea"/>
                                     <a:cs typeface="+mn-cs"/>
                                   </a:rPr>
@@ -7177,7 +8706,7 @@
                                       <a:schemeClr val="dk1"/>
                                     </a:solidFill>
                                     <a:effectLst/>
-                                    <a:latin typeface="+mn-lt"/>
+                                    <a:latin typeface="Cambria Math" panose="02040503050406030204" pitchFamily="18" charset="0"/>
                                     <a:ea typeface="+mn-ea"/>
                                     <a:cs typeface="+mn-cs"/>
                                   </a:rPr>
@@ -7192,7 +8721,7 @@
                                       <a:schemeClr val="dk1"/>
                                     </a:solidFill>
                                     <a:effectLst/>
-                                    <a:latin typeface="+mn-lt"/>
+                                    <a:latin typeface="Cambria Math" panose="02040503050406030204" pitchFamily="18" charset="0"/>
                                     <a:ea typeface="+mn-ea"/>
                                     <a:cs typeface="+mn-cs"/>
                                   </a:rPr>
@@ -7204,7 +8733,7 @@
                                       <a:schemeClr val="dk1"/>
                                     </a:solidFill>
                                     <a:effectLst/>
-                                    <a:latin typeface="+mn-lt"/>
+                                    <a:latin typeface="Cambria Math" panose="02040503050406030204" pitchFamily="18" charset="0"/>
                                     <a:ea typeface="+mn-ea"/>
                                     <a:cs typeface="+mn-cs"/>
                                   </a:rPr>
@@ -7219,7 +8748,7 @@
                                       <a:schemeClr val="dk1"/>
                                     </a:solidFill>
                                     <a:effectLst/>
-                                    <a:latin typeface="+mn-lt"/>
+                                    <a:latin typeface="Cambria Math" panose="02040503050406030204" pitchFamily="18" charset="0"/>
                                     <a:ea typeface="+mn-ea"/>
                                     <a:cs typeface="+mn-cs"/>
                                   </a:rPr>
@@ -7231,7 +8760,7 @@
                                       <a:schemeClr val="dk1"/>
                                     </a:solidFill>
                                     <a:effectLst/>
-                                    <a:latin typeface="+mn-lt"/>
+                                    <a:latin typeface="Cambria Math" panose="02040503050406030204" pitchFamily="18" charset="0"/>
                                     <a:ea typeface="+mn-ea"/>
                                     <a:cs typeface="+mn-cs"/>
                                   </a:rPr>
@@ -7251,6 +8780,7 @@
                           </a:endParaRPr>
                         </a:p>
                         <a:p>
+                          <a:pPr/>
                           <a14:m>
                             <m:oMathPara xmlns:m="http://schemas.openxmlformats.org/officeDocument/2006/math">
                               <m:oMathParaPr>
@@ -7265,7 +8795,7 @@
                                           <a:schemeClr val="dk1"/>
                                         </a:solidFill>
                                         <a:effectLst/>
-                                        <a:latin typeface="+mn-lt"/>
+                                        <a:latin typeface="Cambria Math" panose="02040503050406030204" pitchFamily="18" charset="0"/>
                                         <a:ea typeface="+mn-ea"/>
                                         <a:cs typeface="+mn-cs"/>
                                       </a:rPr>
@@ -7281,7 +8811,7 @@
                                           <a:schemeClr val="dk1"/>
                                         </a:solidFill>
                                         <a:effectLst/>
-                                        <a:latin typeface="+mn-lt"/>
+                                        <a:latin typeface="Cambria Math" panose="02040503050406030204" pitchFamily="18" charset="0"/>
                                         <a:ea typeface="+mn-ea"/>
                                         <a:cs typeface="+mn-cs"/>
                                       </a:rPr>
@@ -7295,7 +8825,7 @@
                                           <a:schemeClr val="dk1"/>
                                         </a:solidFill>
                                         <a:effectLst/>
-                                        <a:latin typeface="+mn-lt"/>
+                                        <a:latin typeface="Cambria Math" panose="02040503050406030204" pitchFamily="18" charset="0"/>
                                         <a:ea typeface="+mn-ea"/>
                                         <a:cs typeface="+mn-cs"/>
                                       </a:rPr>
@@ -7309,7 +8839,7 @@
                                       <a:schemeClr val="dk1"/>
                                     </a:solidFill>
                                     <a:effectLst/>
-                                    <a:latin typeface="+mn-lt"/>
+                                    <a:latin typeface="Cambria Math" panose="02040503050406030204" pitchFamily="18" charset="0"/>
                                     <a:ea typeface="+mn-ea"/>
                                     <a:cs typeface="+mn-cs"/>
                                   </a:rPr>
@@ -7321,7 +8851,7 @@
                                       <a:schemeClr val="dk1"/>
                                     </a:solidFill>
                                     <a:effectLst/>
-                                    <a:latin typeface="+mn-lt"/>
+                                    <a:latin typeface="Cambria Math" panose="02040503050406030204" pitchFamily="18" charset="0"/>
                                     <a:ea typeface="+mn-ea"/>
                                     <a:cs typeface="+mn-cs"/>
                                   </a:rPr>
@@ -7336,7 +8866,7 @@
                                       <a:schemeClr val="dk1"/>
                                     </a:solidFill>
                                     <a:effectLst/>
-                                    <a:latin typeface="+mn-lt"/>
+                                    <a:latin typeface="Cambria Math" panose="02040503050406030204" pitchFamily="18" charset="0"/>
                                     <a:ea typeface="+mn-ea"/>
                                     <a:cs typeface="+mn-cs"/>
                                   </a:rPr>
@@ -7350,7 +8880,7 @@
                                           <a:schemeClr val="dk1"/>
                                         </a:solidFill>
                                         <a:effectLst/>
-                                        <a:latin typeface="+mn-lt"/>
+                                        <a:latin typeface="Cambria Math" panose="02040503050406030204" pitchFamily="18" charset="0"/>
                                         <a:ea typeface="+mn-ea"/>
                                         <a:cs typeface="+mn-cs"/>
                                       </a:rPr>
@@ -7366,7 +8896,7 @@
                                           <a:schemeClr val="dk1"/>
                                         </a:solidFill>
                                         <a:effectLst/>
-                                        <a:latin typeface="+mn-lt"/>
+                                        <a:latin typeface="Cambria Math" panose="02040503050406030204" pitchFamily="18" charset="0"/>
                                         <a:ea typeface="+mn-ea"/>
                                         <a:cs typeface="+mn-cs"/>
                                       </a:rPr>
@@ -7378,7 +8908,7 @@
                                           <a:schemeClr val="dk1"/>
                                         </a:solidFill>
                                         <a:effectLst/>
-                                        <a:latin typeface="+mn-lt"/>
+                                        <a:latin typeface="Cambria Math" panose="02040503050406030204" pitchFamily="18" charset="0"/>
                                         <a:ea typeface="+mn-ea"/>
                                         <a:cs typeface="+mn-cs"/>
                                       </a:rPr>
@@ -7394,7 +8924,7 @@
                                           <a:schemeClr val="dk1"/>
                                         </a:solidFill>
                                         <a:effectLst/>
-                                        <a:latin typeface="+mn-lt"/>
+                                        <a:latin typeface="Cambria Math" panose="02040503050406030204" pitchFamily="18" charset="0"/>
                                         <a:ea typeface="+mn-ea"/>
                                         <a:cs typeface="+mn-cs"/>
                                       </a:rPr>
@@ -7410,7 +8940,7 @@
                                           <a:schemeClr val="dk1"/>
                                         </a:solidFill>
                                         <a:effectLst/>
-                                        <a:latin typeface="+mn-lt"/>
+                                        <a:latin typeface="Cambria Math" panose="02040503050406030204" pitchFamily="18" charset="0"/>
                                         <a:ea typeface="+mn-ea"/>
                                         <a:cs typeface="+mn-cs"/>
                                       </a:rPr>
@@ -7422,7 +8952,7 @@
                                           <a:schemeClr val="dk1"/>
                                         </a:solidFill>
                                         <a:effectLst/>
-                                        <a:latin typeface="+mn-lt"/>
+                                        <a:latin typeface="Cambria Math" panose="02040503050406030204" pitchFamily="18" charset="0"/>
                                         <a:ea typeface="+mn-ea"/>
                                         <a:cs typeface="+mn-cs"/>
                                       </a:rPr>
@@ -7434,7 +8964,7 @@
                                           <a:schemeClr val="dk1"/>
                                         </a:solidFill>
                                         <a:effectLst/>
-                                        <a:latin typeface="+mn-lt"/>
+                                        <a:latin typeface="Cambria Math" panose="02040503050406030204" pitchFamily="18" charset="0"/>
                                         <a:ea typeface="+mn-ea"/>
                                         <a:cs typeface="+mn-cs"/>
                                       </a:rPr>
@@ -7448,7 +8978,7 @@
                                       <a:schemeClr val="dk1"/>
                                     </a:solidFill>
                                     <a:effectLst/>
-                                    <a:latin typeface="+mn-lt"/>
+                                    <a:latin typeface="Cambria Math" panose="02040503050406030204" pitchFamily="18" charset="0"/>
                                     <a:ea typeface="+mn-ea"/>
                                     <a:cs typeface="+mn-cs"/>
                                   </a:rPr>
@@ -7460,7 +8990,7 @@
                                       <a:schemeClr val="dk1"/>
                                     </a:solidFill>
                                     <a:effectLst/>
-                                    <a:latin typeface="+mn-lt"/>
+                                    <a:latin typeface="Cambria Math" panose="02040503050406030204" pitchFamily="18" charset="0"/>
                                     <a:ea typeface="+mn-ea"/>
                                     <a:cs typeface="+mn-cs"/>
                                   </a:rPr>
@@ -7475,7 +9005,7 @@
                                       <a:schemeClr val="dk1"/>
                                     </a:solidFill>
                                     <a:effectLst/>
-                                    <a:latin typeface="+mn-lt"/>
+                                    <a:latin typeface="Cambria Math" panose="02040503050406030204" pitchFamily="18" charset="0"/>
                                     <a:ea typeface="+mn-ea"/>
                                     <a:cs typeface="+mn-cs"/>
                                   </a:rPr>
@@ -7487,7 +9017,7 @@
                                       <a:schemeClr val="dk1"/>
                                     </a:solidFill>
                                     <a:effectLst/>
-                                    <a:latin typeface="+mn-lt"/>
+                                    <a:latin typeface="Cambria Math" panose="02040503050406030204" pitchFamily="18" charset="0"/>
                                     <a:ea typeface="+mn-ea"/>
                                     <a:cs typeface="+mn-cs"/>
                                   </a:rPr>
@@ -7502,7 +9032,7 @@
                                       <a:schemeClr val="dk1"/>
                                     </a:solidFill>
                                     <a:effectLst/>
-                                    <a:latin typeface="+mn-lt"/>
+                                    <a:latin typeface="Cambria Math" panose="02040503050406030204" pitchFamily="18" charset="0"/>
                                     <a:ea typeface="+mn-ea"/>
                                     <a:cs typeface="+mn-cs"/>
                                   </a:rPr>
@@ -7514,7 +9044,7 @@
                                       <a:schemeClr val="dk1"/>
                                     </a:solidFill>
                                     <a:effectLst/>
-                                    <a:latin typeface="+mn-lt"/>
+                                    <a:latin typeface="Cambria Math" panose="02040503050406030204" pitchFamily="18" charset="0"/>
                                     <a:ea typeface="+mn-ea"/>
                                     <a:cs typeface="+mn-cs"/>
                                   </a:rPr>
@@ -7591,6 +9121,528 @@
                       <a:txBody>
                         <a:bodyPr/>
                         <a:lstStyle/>
+                        <a:p>
+                          <a:pPr/>
+                          <a14:m>
+                            <m:oMathPara xmlns:m="http://schemas.openxmlformats.org/officeDocument/2006/math">
+                              <m:oMathParaPr>
+                                <m:jc m:val="centerGroup"/>
+                              </m:oMathParaPr>
+                              <m:oMath xmlns:m="http://schemas.openxmlformats.org/officeDocument/2006/math">
+                                <m:sSub>
+                                  <m:sSubPr>
+                                    <m:ctrlPr>
+                                      <a:rPr lang="zh-TW" altLang="zh-TW" sz="1800" i="1" kern="1200" smtClean="0">
+                                        <a:solidFill>
+                                          <a:schemeClr val="dk1"/>
+                                        </a:solidFill>
+                                        <a:effectLst/>
+                                        <a:latin typeface="Cambria Math" panose="02040503050406030204" pitchFamily="18" charset="0"/>
+                                        <a:ea typeface="+mn-ea"/>
+                                        <a:cs typeface="+mn-cs"/>
+                                      </a:rPr>
+                                    </m:ctrlPr>
+                                  </m:sSubPr>
+                                  <m:e>
+                                    <m:r>
+                                      <m:rPr>
+                                        <m:sty m:val="p"/>
+                                      </m:rPr>
+                                      <a:rPr lang="en-US" altLang="zh-TW" sz="1800" kern="1200">
+                                        <a:solidFill>
+                                          <a:schemeClr val="dk1"/>
+                                        </a:solidFill>
+                                        <a:effectLst/>
+                                        <a:latin typeface="Cambria Math" panose="02040503050406030204" pitchFamily="18" charset="0"/>
+                                        <a:ea typeface="+mn-ea"/>
+                                        <a:cs typeface="+mn-cs"/>
+                                      </a:rPr>
+                                      <m:t>C</m:t>
+                                    </m:r>
+                                  </m:e>
+                                  <m:sub>
+                                    <m:r>
+                                      <a:rPr lang="en-US" altLang="zh-TW" sz="1800" i="1" kern="1200">
+                                        <a:solidFill>
+                                          <a:schemeClr val="dk1"/>
+                                        </a:solidFill>
+                                        <a:effectLst/>
+                                        <a:latin typeface="Cambria Math" panose="02040503050406030204" pitchFamily="18" charset="0"/>
+                                        <a:ea typeface="+mn-ea"/>
+                                        <a:cs typeface="+mn-cs"/>
+                                      </a:rPr>
+                                      <m:t>𝑥</m:t>
+                                    </m:r>
+                                  </m:sub>
+                                </m:sSub>
+                                <m:r>
+                                  <a:rPr lang="en-US" altLang="zh-TW" sz="1800" kern="1200">
+                                    <a:solidFill>
+                                      <a:schemeClr val="dk1"/>
+                                    </a:solidFill>
+                                    <a:effectLst/>
+                                    <a:latin typeface="Cambria Math" panose="02040503050406030204" pitchFamily="18" charset="0"/>
+                                    <a:ea typeface="+mn-ea"/>
+                                    <a:cs typeface="+mn-cs"/>
+                                  </a:rPr>
+                                  <m:t> = </m:t>
+                                </m:r>
+                                <m:r>
+                                  <m:rPr>
+                                    <m:sty m:val="p"/>
+                                  </m:rPr>
+                                  <a:rPr lang="en-US" altLang="zh-TW" sz="1800" kern="1200">
+                                    <a:solidFill>
+                                      <a:schemeClr val="dk1"/>
+                                    </a:solidFill>
+                                    <a:effectLst/>
+                                    <a:latin typeface="Cambria Math" panose="02040503050406030204" pitchFamily="18" charset="0"/>
+                                    <a:ea typeface="+mn-ea"/>
+                                    <a:cs typeface="+mn-cs"/>
+                                  </a:rPr>
+                                  <m:t>Ecos</m:t>
+                                </m:r>
+                                <m:r>
+                                  <a:rPr lang="en-US" altLang="zh-TW" sz="1800" kern="1200">
+                                    <a:solidFill>
+                                      <a:schemeClr val="dk1"/>
+                                    </a:solidFill>
+                                    <a:effectLst/>
+                                    <a:latin typeface="Cambria Math" panose="02040503050406030204" pitchFamily="18" charset="0"/>
+                                    <a:ea typeface="+mn-ea"/>
+                                    <a:cs typeface="+mn-cs"/>
+                                  </a:rPr>
+                                  <m:t>(</m:t>
+                                </m:r>
+                                <m:r>
+                                  <m:rPr>
+                                    <m:sty m:val="p"/>
+                                  </m:rPr>
+                                  <a:rPr lang="en-US" altLang="zh-TW" sz="1800" kern="1200">
+                                    <a:solidFill>
+                                      <a:schemeClr val="dk1"/>
+                                    </a:solidFill>
+                                    <a:effectLst/>
+                                    <a:latin typeface="Cambria Math" panose="02040503050406030204" pitchFamily="18" charset="0"/>
+                                    <a:ea typeface="+mn-ea"/>
+                                    <a:cs typeface="+mn-cs"/>
+                                  </a:rPr>
+                                  <m:t>N</m:t>
+                                </m:r>
+                                <m:r>
+                                  <a:rPr lang="en-US" altLang="zh-TW" sz="1800" kern="1200">
+                                    <a:solidFill>
+                                      <a:schemeClr val="dk1"/>
+                                    </a:solidFill>
+                                    <a:effectLst/>
+                                    <a:latin typeface="Cambria Math" panose="02040503050406030204" pitchFamily="18" charset="0"/>
+                                    <a:ea typeface="+mn-ea"/>
+                                    <a:cs typeface="+mn-cs"/>
+                                  </a:rPr>
+                                  <m:t>∅)(</m:t>
+                                </m:r>
+                                <m:r>
+                                  <m:rPr>
+                                    <m:sty m:val="p"/>
+                                  </m:rPr>
+                                  <a:rPr lang="en-US" altLang="zh-TW" sz="1800" kern="1200">
+                                    <a:solidFill>
+                                      <a:schemeClr val="dk1"/>
+                                    </a:solidFill>
+                                    <a:effectLst/>
+                                    <a:latin typeface="Cambria Math" panose="02040503050406030204" pitchFamily="18" charset="0"/>
+                                    <a:ea typeface="+mn-ea"/>
+                                    <a:cs typeface="+mn-cs"/>
+                                  </a:rPr>
+                                  <m:t>N</m:t>
+                                </m:r>
+                                <m:r>
+                                  <a:rPr lang="en-US" altLang="zh-TW" sz="1800" b="0" i="1" kern="1200" smtClean="0">
+                                    <a:solidFill>
+                                      <a:schemeClr val="dk1"/>
+                                    </a:solidFill>
+                                    <a:effectLst/>
+                                    <a:latin typeface="Cambria Math" panose="02040503050406030204" pitchFamily="18" charset="0"/>
+                                    <a:ea typeface="+mn-ea"/>
+                                    <a:cs typeface="+mn-cs"/>
+                                  </a:rPr>
+                                  <m:t>+</m:t>
+                                </m:r>
+                                <m:r>
+                                  <a:rPr lang="en-US" altLang="zh-TW" sz="1800" kern="1200">
+                                    <a:solidFill>
+                                      <a:schemeClr val="dk1"/>
+                                    </a:solidFill>
+                                    <a:effectLst/>
+                                    <a:latin typeface="Cambria Math" panose="02040503050406030204" pitchFamily="18" charset="0"/>
+                                    <a:ea typeface="+mn-ea"/>
+                                    <a:cs typeface="+mn-cs"/>
+                                  </a:rPr>
+                                  <m:t>1) + </m:t>
+                                </m:r>
+                                <m:r>
+                                  <m:rPr>
+                                    <m:sty m:val="p"/>
+                                  </m:rPr>
+                                  <a:rPr lang="en-US" altLang="zh-TW" sz="1800" kern="1200">
+                                    <a:solidFill>
+                                      <a:schemeClr val="dk1"/>
+                                    </a:solidFill>
+                                    <a:effectLst/>
+                                    <a:latin typeface="Cambria Math" panose="02040503050406030204" pitchFamily="18" charset="0"/>
+                                    <a:ea typeface="+mn-ea"/>
+                                    <a:cs typeface="+mn-cs"/>
+                                  </a:rPr>
+                                  <m:t>Lcos</m:t>
+                                </m:r>
+                                <m:r>
+                                  <a:rPr lang="en-US" altLang="zh-TW" sz="1800" kern="1200">
+                                    <a:solidFill>
+                                      <a:schemeClr val="dk1"/>
+                                    </a:solidFill>
+                                    <a:effectLst/>
+                                    <a:latin typeface="Cambria Math" panose="02040503050406030204" pitchFamily="18" charset="0"/>
+                                    <a:ea typeface="+mn-ea"/>
+                                    <a:cs typeface="+mn-cs"/>
+                                  </a:rPr>
+                                  <m:t>(∅</m:t>
+                                </m:r>
+                                <m:r>
+                                  <a:rPr lang="en-US" altLang="zh-TW" sz="1800" b="0" i="1" kern="1200" smtClean="0">
+                                    <a:solidFill>
+                                      <a:schemeClr val="dk1"/>
+                                    </a:solidFill>
+                                    <a:effectLst/>
+                                    <a:latin typeface="Cambria Math" panose="02040503050406030204" pitchFamily="18" charset="0"/>
+                                    <a:ea typeface="+mn-ea"/>
+                                    <a:cs typeface="+mn-cs"/>
+                                  </a:rPr>
+                                  <m:t>−</m:t>
+                                </m:r>
+                                <m:r>
+                                  <m:rPr>
+                                    <m:sty m:val="p"/>
+                                  </m:rPr>
+                                  <a:rPr lang="en-US" altLang="zh-TW" sz="1800" kern="1200">
+                                    <a:solidFill>
+                                      <a:schemeClr val="dk1"/>
+                                    </a:solidFill>
+                                    <a:effectLst/>
+                                    <a:latin typeface="Cambria Math" panose="02040503050406030204" pitchFamily="18" charset="0"/>
+                                    <a:ea typeface="+mn-ea"/>
+                                    <a:cs typeface="+mn-cs"/>
+                                  </a:rPr>
+                                  <m:t>ψ</m:t>
+                                </m:r>
+                                <m:r>
+                                  <a:rPr lang="en-US" altLang="zh-TW" sz="1800" kern="1200">
+                                    <a:solidFill>
+                                      <a:schemeClr val="dk1"/>
+                                    </a:solidFill>
+                                    <a:effectLst/>
+                                    <a:latin typeface="Cambria Math" panose="02040503050406030204" pitchFamily="18" charset="0"/>
+                                    <a:ea typeface="+mn-ea"/>
+                                    <a:cs typeface="+mn-cs"/>
+                                  </a:rPr>
+                                  <m:t>)</m:t>
+                                </m:r>
+                              </m:oMath>
+                            </m:oMathPara>
+                          </a14:m>
+                          <a:endParaRPr lang="zh-TW" altLang="zh-TW" sz="1800" kern="1200" dirty="0">
+                            <a:solidFill>
+                              <a:schemeClr val="dk1"/>
+                            </a:solidFill>
+                            <a:effectLst/>
+                            <a:latin typeface="+mn-lt"/>
+                            <a:ea typeface="+mn-ea"/>
+                            <a:cs typeface="+mn-cs"/>
+                          </a:endParaRPr>
+                        </a:p>
+                        <a:p>
+                          <a:pPr/>
+                          <a14:m>
+                            <m:oMathPara xmlns:m="http://schemas.openxmlformats.org/officeDocument/2006/math">
+                              <m:oMathParaPr>
+                                <m:jc m:val="centerGroup"/>
+                              </m:oMathParaPr>
+                              <m:oMath xmlns:m="http://schemas.openxmlformats.org/officeDocument/2006/math">
+                                <m:sSub>
+                                  <m:sSubPr>
+                                    <m:ctrlPr>
+                                      <a:rPr lang="zh-TW" altLang="zh-TW" sz="1800" i="1" kern="1200">
+                                        <a:solidFill>
+                                          <a:schemeClr val="dk1"/>
+                                        </a:solidFill>
+                                        <a:effectLst/>
+                                        <a:latin typeface="Cambria Math" panose="02040503050406030204" pitchFamily="18" charset="0"/>
+                                        <a:ea typeface="+mn-ea"/>
+                                        <a:cs typeface="+mn-cs"/>
+                                      </a:rPr>
+                                    </m:ctrlPr>
+                                  </m:sSubPr>
+                                  <m:e>
+                                    <m:r>
+                                      <m:rPr>
+                                        <m:sty m:val="p"/>
+                                      </m:rPr>
+                                      <a:rPr lang="en-US" altLang="zh-TW" sz="1800" kern="1200">
+                                        <a:solidFill>
+                                          <a:schemeClr val="dk1"/>
+                                        </a:solidFill>
+                                        <a:effectLst/>
+                                        <a:latin typeface="Cambria Math" panose="02040503050406030204" pitchFamily="18" charset="0"/>
+                                        <a:ea typeface="+mn-ea"/>
+                                        <a:cs typeface="+mn-cs"/>
+                                      </a:rPr>
+                                      <m:t>C</m:t>
+                                    </m:r>
+                                  </m:e>
+                                  <m:sub>
+                                    <m:r>
+                                      <a:rPr lang="en-US" altLang="zh-TW" sz="1800" i="1" kern="1200">
+                                        <a:solidFill>
+                                          <a:schemeClr val="dk1"/>
+                                        </a:solidFill>
+                                        <a:effectLst/>
+                                        <a:latin typeface="Cambria Math" panose="02040503050406030204" pitchFamily="18" charset="0"/>
+                                        <a:ea typeface="+mn-ea"/>
+                                        <a:cs typeface="+mn-cs"/>
+                                      </a:rPr>
+                                      <m:t>𝑦</m:t>
+                                    </m:r>
+                                  </m:sub>
+                                </m:sSub>
+                                <m:r>
+                                  <a:rPr lang="en-US" altLang="zh-TW" sz="1800" kern="1200">
+                                    <a:solidFill>
+                                      <a:schemeClr val="dk1"/>
+                                    </a:solidFill>
+                                    <a:effectLst/>
+                                    <a:latin typeface="Cambria Math" panose="02040503050406030204" pitchFamily="18" charset="0"/>
+                                    <a:ea typeface="+mn-ea"/>
+                                    <a:cs typeface="+mn-cs"/>
+                                  </a:rPr>
+                                  <m:t> = </m:t>
+                                </m:r>
+                                <m:r>
+                                  <a:rPr lang="en-US" altLang="zh-TW" sz="1800" i="1" kern="1200">
+                                    <a:solidFill>
+                                      <a:schemeClr val="dk1"/>
+                                    </a:solidFill>
+                                    <a:effectLst/>
+                                    <a:latin typeface="Cambria Math" panose="02040503050406030204" pitchFamily="18" charset="0"/>
+                                    <a:ea typeface="+mn-ea"/>
+                                    <a:cs typeface="+mn-cs"/>
+                                  </a:rPr>
+                                  <m:t>−</m:t>
+                                </m:r>
+                                <m:r>
+                                  <m:rPr>
+                                    <m:sty m:val="p"/>
+                                  </m:rPr>
+                                  <a:rPr lang="en-US" altLang="zh-TW" sz="1800" kern="1200">
+                                    <a:solidFill>
+                                      <a:schemeClr val="dk1"/>
+                                    </a:solidFill>
+                                    <a:effectLst/>
+                                    <a:latin typeface="Cambria Math" panose="02040503050406030204" pitchFamily="18" charset="0"/>
+                                    <a:ea typeface="+mn-ea"/>
+                                    <a:cs typeface="+mn-cs"/>
+                                  </a:rPr>
+                                  <m:t>Esin</m:t>
+                                </m:r>
+                                <m:d>
+                                  <m:dPr>
+                                    <m:ctrlPr>
+                                      <a:rPr lang="zh-TW" altLang="zh-TW" sz="1800" i="1" kern="1200">
+                                        <a:solidFill>
+                                          <a:schemeClr val="dk1"/>
+                                        </a:solidFill>
+                                        <a:effectLst/>
+                                        <a:latin typeface="Cambria Math" panose="02040503050406030204" pitchFamily="18" charset="0"/>
+                                        <a:ea typeface="+mn-ea"/>
+                                        <a:cs typeface="+mn-cs"/>
+                                      </a:rPr>
+                                    </m:ctrlPr>
+                                  </m:dPr>
+                                  <m:e>
+                                    <m:r>
+                                      <m:rPr>
+                                        <m:sty m:val="p"/>
+                                      </m:rPr>
+                                      <a:rPr lang="en-US" altLang="zh-TW" sz="1800" kern="1200">
+                                        <a:solidFill>
+                                          <a:schemeClr val="dk1"/>
+                                        </a:solidFill>
+                                        <a:effectLst/>
+                                        <a:latin typeface="Cambria Math" panose="02040503050406030204" pitchFamily="18" charset="0"/>
+                                        <a:ea typeface="+mn-ea"/>
+                                        <a:cs typeface="+mn-cs"/>
+                                      </a:rPr>
+                                      <m:t>N</m:t>
+                                    </m:r>
+                                    <m:r>
+                                      <a:rPr lang="en-US" altLang="zh-TW" sz="1800" kern="1200">
+                                        <a:solidFill>
+                                          <a:schemeClr val="dk1"/>
+                                        </a:solidFill>
+                                        <a:effectLst/>
+                                        <a:latin typeface="Cambria Math" panose="02040503050406030204" pitchFamily="18" charset="0"/>
+                                        <a:ea typeface="+mn-ea"/>
+                                        <a:cs typeface="+mn-cs"/>
+                                      </a:rPr>
+                                      <m:t>∅</m:t>
+                                    </m:r>
+                                  </m:e>
+                                </m:d>
+                                <m:d>
+                                  <m:dPr>
+                                    <m:ctrlPr>
+                                      <a:rPr lang="zh-TW" altLang="zh-TW" sz="1800" i="1" kern="1200">
+                                        <a:solidFill>
+                                          <a:schemeClr val="dk1"/>
+                                        </a:solidFill>
+                                        <a:effectLst/>
+                                        <a:latin typeface="Cambria Math" panose="02040503050406030204" pitchFamily="18" charset="0"/>
+                                        <a:ea typeface="+mn-ea"/>
+                                        <a:cs typeface="+mn-cs"/>
+                                      </a:rPr>
+                                    </m:ctrlPr>
+                                  </m:dPr>
+                                  <m:e>
+                                    <m:r>
+                                      <m:rPr>
+                                        <m:sty m:val="p"/>
+                                      </m:rPr>
+                                      <a:rPr lang="en-US" altLang="zh-TW" sz="1800" kern="1200">
+                                        <a:solidFill>
+                                          <a:schemeClr val="dk1"/>
+                                        </a:solidFill>
+                                        <a:effectLst/>
+                                        <a:latin typeface="Cambria Math" panose="02040503050406030204" pitchFamily="18" charset="0"/>
+                                        <a:ea typeface="+mn-ea"/>
+                                        <a:cs typeface="+mn-cs"/>
+                                      </a:rPr>
+                                      <m:t>N</m:t>
+                                    </m:r>
+                                    <m:r>
+                                      <a:rPr lang="en-US" altLang="zh-TW" sz="1800" b="0" i="1" kern="1200" smtClean="0">
+                                        <a:solidFill>
+                                          <a:schemeClr val="dk1"/>
+                                        </a:solidFill>
+                                        <a:effectLst/>
+                                        <a:latin typeface="Cambria Math" panose="02040503050406030204" pitchFamily="18" charset="0"/>
+                                        <a:ea typeface="+mn-ea"/>
+                                        <a:cs typeface="+mn-cs"/>
+                                      </a:rPr>
+                                      <m:t>+</m:t>
+                                    </m:r>
+                                    <m:r>
+                                      <a:rPr lang="en-US" altLang="zh-TW" sz="1800" kern="1200">
+                                        <a:solidFill>
+                                          <a:schemeClr val="dk1"/>
+                                        </a:solidFill>
+                                        <a:effectLst/>
+                                        <a:latin typeface="Cambria Math" panose="02040503050406030204" pitchFamily="18" charset="0"/>
+                                        <a:ea typeface="+mn-ea"/>
+                                        <a:cs typeface="+mn-cs"/>
+                                      </a:rPr>
+                                      <m:t>1</m:t>
+                                    </m:r>
+                                  </m:e>
+                                </m:d>
+                                <m:r>
+                                  <a:rPr lang="en-US" altLang="zh-TW" sz="1800" b="0" i="1" kern="1200" smtClean="0">
+                                    <a:solidFill>
+                                      <a:schemeClr val="dk1"/>
+                                    </a:solidFill>
+                                    <a:effectLst/>
+                                    <a:latin typeface="Cambria Math" panose="02040503050406030204" pitchFamily="18" charset="0"/>
+                                    <a:ea typeface="+mn-ea"/>
+                                    <a:cs typeface="+mn-cs"/>
+                                  </a:rPr>
+                                  <m:t>+</m:t>
+                                </m:r>
+                                <m:r>
+                                  <a:rPr lang="en-US" altLang="zh-TW" sz="1800" kern="1200">
+                                    <a:solidFill>
+                                      <a:schemeClr val="dk1"/>
+                                    </a:solidFill>
+                                    <a:effectLst/>
+                                    <a:latin typeface="Cambria Math" panose="02040503050406030204" pitchFamily="18" charset="0"/>
+                                    <a:ea typeface="+mn-ea"/>
+                                    <a:cs typeface="+mn-cs"/>
+                                  </a:rPr>
+                                  <m:t> </m:t>
+                                </m:r>
+                                <m:r>
+                                  <m:rPr>
+                                    <m:sty m:val="p"/>
+                                  </m:rPr>
+                                  <a:rPr lang="en-US" altLang="zh-TW" sz="1800" kern="1200">
+                                    <a:solidFill>
+                                      <a:schemeClr val="dk1"/>
+                                    </a:solidFill>
+                                    <a:effectLst/>
+                                    <a:latin typeface="Cambria Math" panose="02040503050406030204" pitchFamily="18" charset="0"/>
+                                    <a:ea typeface="+mn-ea"/>
+                                    <a:cs typeface="+mn-cs"/>
+                                  </a:rPr>
+                                  <m:t>Lsin</m:t>
+                                </m:r>
+                                <m:r>
+                                  <a:rPr lang="en-US" altLang="zh-TW" sz="1800" kern="1200">
+                                    <a:solidFill>
+                                      <a:schemeClr val="dk1"/>
+                                    </a:solidFill>
+                                    <a:effectLst/>
+                                    <a:latin typeface="Cambria Math" panose="02040503050406030204" pitchFamily="18" charset="0"/>
+                                    <a:ea typeface="+mn-ea"/>
+                                    <a:cs typeface="+mn-cs"/>
+                                  </a:rPr>
+                                  <m:t>(∅ −</m:t>
+                                </m:r>
+                                <m:r>
+                                  <m:rPr>
+                                    <m:sty m:val="p"/>
+                                  </m:rPr>
+                                  <a:rPr lang="en-US" altLang="zh-TW" sz="1800" kern="1200">
+                                    <a:solidFill>
+                                      <a:schemeClr val="dk1"/>
+                                    </a:solidFill>
+                                    <a:effectLst/>
+                                    <a:latin typeface="Cambria Math" panose="02040503050406030204" pitchFamily="18" charset="0"/>
+                                    <a:ea typeface="+mn-ea"/>
+                                    <a:cs typeface="+mn-cs"/>
+                                  </a:rPr>
+                                  <m:t>ψ</m:t>
+                                </m:r>
+                                <m:r>
+                                  <a:rPr lang="en-US" altLang="zh-TW" sz="1800" kern="1200">
+                                    <a:solidFill>
+                                      <a:schemeClr val="dk1"/>
+                                    </a:solidFill>
+                                    <a:effectLst/>
+                                    <a:latin typeface="Cambria Math" panose="02040503050406030204" pitchFamily="18" charset="0"/>
+                                    <a:ea typeface="+mn-ea"/>
+                                    <a:cs typeface="+mn-cs"/>
+                                  </a:rPr>
+                                  <m:t>)</m:t>
+                                </m:r>
+                              </m:oMath>
+                            </m:oMathPara>
+                          </a14:m>
+                          <a:endParaRPr lang="zh-TW" altLang="zh-TW" sz="1800" kern="1200" dirty="0">
+                            <a:solidFill>
+                              <a:schemeClr val="dk1"/>
+                            </a:solidFill>
+                            <a:effectLst/>
+                            <a:latin typeface="+mn-lt"/>
+                            <a:ea typeface="+mn-ea"/>
+                            <a:cs typeface="+mn-cs"/>
+                          </a:endParaRPr>
+                        </a:p>
                         <a:p>
                           <a:endParaRPr lang="zh-TW" altLang="en-US" dirty="0"/>
                         </a:p>
@@ -7689,7 +9741,7 @@
                                       <a:schemeClr val="dk1"/>
                                     </a:solidFill>
                                     <a:effectLst/>
-                                    <a:latin typeface="+mn-lt"/>
+                                    <a:latin typeface="Cambria Math" panose="02040503050406030204" pitchFamily="18" charset="0"/>
                                     <a:ea typeface="+mn-ea"/>
                                     <a:cs typeface="+mn-cs"/>
                                   </a:rPr>
@@ -7701,7 +9753,7 @@
                                       <a:schemeClr val="dk1"/>
                                     </a:solidFill>
                                     <a:effectLst/>
-                                    <a:latin typeface="+mn-lt"/>
+                                    <a:latin typeface="Cambria Math" panose="02040503050406030204" pitchFamily="18" charset="0"/>
                                     <a:ea typeface="+mn-ea"/>
                                     <a:cs typeface="+mn-cs"/>
                                   </a:rPr>
@@ -7715,7 +9767,7 @@
                                           <a:schemeClr val="dk1"/>
                                         </a:solidFill>
                                         <a:effectLst/>
-                                        <a:latin typeface="+mn-lt"/>
+                                        <a:latin typeface="Cambria Math" panose="02040503050406030204" pitchFamily="18" charset="0"/>
                                         <a:ea typeface="+mn-ea"/>
                                         <a:cs typeface="+mn-cs"/>
                                       </a:rPr>
@@ -7730,7 +9782,7 @@
                                               <a:schemeClr val="dk1"/>
                                             </a:solidFill>
                                             <a:effectLst/>
-                                            <a:latin typeface="+mn-lt"/>
+                                            <a:latin typeface="Cambria Math" panose="02040503050406030204" pitchFamily="18" charset="0"/>
                                             <a:ea typeface="+mn-ea"/>
                                             <a:cs typeface="+mn-cs"/>
                                           </a:rPr>
@@ -7746,7 +9798,7 @@
                                               <a:schemeClr val="dk1"/>
                                             </a:solidFill>
                                             <a:effectLst/>
-                                            <a:latin typeface="+mn-lt"/>
+                                            <a:latin typeface="Cambria Math" panose="02040503050406030204" pitchFamily="18" charset="0"/>
                                             <a:ea typeface="+mn-ea"/>
                                             <a:cs typeface="+mn-cs"/>
                                           </a:rPr>
@@ -7760,7 +9812,7 @@
                                               <a:schemeClr val="dk1"/>
                                             </a:solidFill>
                                             <a:effectLst/>
-                                            <a:latin typeface="+mn-lt"/>
+                                            <a:latin typeface="Cambria Math" panose="02040503050406030204" pitchFamily="18" charset="0"/>
                                             <a:ea typeface="+mn-ea"/>
                                             <a:cs typeface="+mn-cs"/>
                                           </a:rPr>
@@ -7772,7 +9824,7 @@
                                               <a:schemeClr val="dk1"/>
                                             </a:solidFill>
                                             <a:effectLst/>
-                                            <a:latin typeface="+mn-lt"/>
+                                            <a:latin typeface="Cambria Math" panose="02040503050406030204" pitchFamily="18" charset="0"/>
                                             <a:ea typeface="+mn-ea"/>
                                             <a:cs typeface="+mn-cs"/>
                                           </a:rPr>
@@ -7790,7 +9842,7 @@
                                               <a:schemeClr val="dk1"/>
                                             </a:solidFill>
                                             <a:effectLst/>
-                                            <a:latin typeface="+mn-lt"/>
+                                            <a:latin typeface="Cambria Math" panose="02040503050406030204" pitchFamily="18" charset="0"/>
                                             <a:ea typeface="+mn-ea"/>
                                             <a:cs typeface="+mn-cs"/>
                                           </a:rPr>
@@ -7806,7 +9858,7 @@
                                               <a:schemeClr val="dk1"/>
                                             </a:solidFill>
                                             <a:effectLst/>
-                                            <a:latin typeface="+mn-lt"/>
+                                            <a:latin typeface="Cambria Math" panose="02040503050406030204" pitchFamily="18" charset="0"/>
                                             <a:ea typeface="+mn-ea"/>
                                             <a:cs typeface="+mn-cs"/>
                                           </a:rPr>
@@ -7818,7 +9870,7 @@
                                               <a:schemeClr val="dk1"/>
                                             </a:solidFill>
                                             <a:effectLst/>
-                                            <a:latin typeface="+mn-lt"/>
+                                            <a:latin typeface="Cambria Math" panose="02040503050406030204" pitchFamily="18" charset="0"/>
                                             <a:ea typeface="+mn-ea"/>
                                             <a:cs typeface="+mn-cs"/>
                                           </a:rPr>
@@ -7830,7 +9882,7 @@
                                               <a:schemeClr val="dk1"/>
                                             </a:solidFill>
                                             <a:effectLst/>
-                                            <a:latin typeface="+mn-lt"/>
+                                            <a:latin typeface="Cambria Math" panose="02040503050406030204" pitchFamily="18" charset="0"/>
                                             <a:ea typeface="+mn-ea"/>
                                             <a:cs typeface="+mn-cs"/>
                                           </a:rPr>
@@ -7845,7 +9897,7 @@
                                               <a:schemeClr val="dk1"/>
                                             </a:solidFill>
                                             <a:effectLst/>
-                                            <a:latin typeface="+mn-lt"/>
+                                            <a:latin typeface="Cambria Math" panose="02040503050406030204" pitchFamily="18" charset="0"/>
                                             <a:ea typeface="+mn-ea"/>
                                             <a:cs typeface="+mn-cs"/>
                                           </a:rPr>
@@ -7857,7 +9909,7 @@
                                               <a:schemeClr val="dk1"/>
                                             </a:solidFill>
                                             <a:effectLst/>
-                                            <a:latin typeface="+mn-lt"/>
+                                            <a:latin typeface="Cambria Math" panose="02040503050406030204" pitchFamily="18" charset="0"/>
                                             <a:ea typeface="+mn-ea"/>
                                             <a:cs typeface="+mn-cs"/>
                                           </a:rPr>
@@ -7871,7 +9923,7 @@
                                               <a:schemeClr val="dk1"/>
                                             </a:solidFill>
                                             <a:effectLst/>
-                                            <a:latin typeface="+mn-lt"/>
+                                            <a:latin typeface="Cambria Math" panose="02040503050406030204" pitchFamily="18" charset="0"/>
                                             <a:ea typeface="+mn-ea"/>
                                             <a:cs typeface="+mn-cs"/>
                                           </a:rPr>
@@ -7886,7 +9938,7 @@
                                               <a:schemeClr val="dk1"/>
                                             </a:solidFill>
                                             <a:effectLst/>
-                                            <a:latin typeface="+mn-lt"/>
+                                            <a:latin typeface="Cambria Math" panose="02040503050406030204" pitchFamily="18" charset="0"/>
                                             <a:ea typeface="+mn-ea"/>
                                             <a:cs typeface="+mn-cs"/>
                                           </a:rPr>
@@ -7898,7 +9950,7 @@
                                               <a:schemeClr val="dk1"/>
                                             </a:solidFill>
                                             <a:effectLst/>
-                                            <a:latin typeface="+mn-lt"/>
+                                            <a:latin typeface="Cambria Math" panose="02040503050406030204" pitchFamily="18" charset="0"/>
                                             <a:ea typeface="+mn-ea"/>
                                             <a:cs typeface="+mn-cs"/>
                                           </a:rPr>
@@ -7913,7 +9965,7 @@
                                               <a:schemeClr val="dk1"/>
                                             </a:solidFill>
                                             <a:effectLst/>
-                                            <a:latin typeface="+mn-lt"/>
+                                            <a:latin typeface="Cambria Math" panose="02040503050406030204" pitchFamily="18" charset="0"/>
                                             <a:ea typeface="+mn-ea"/>
                                             <a:cs typeface="+mn-cs"/>
                                           </a:rPr>
@@ -7925,7 +9977,7 @@
                                               <a:schemeClr val="dk1"/>
                                             </a:solidFill>
                                             <a:effectLst/>
-                                            <a:latin typeface="+mn-lt"/>
+                                            <a:latin typeface="Cambria Math" panose="02040503050406030204" pitchFamily="18" charset="0"/>
                                             <a:ea typeface="+mn-ea"/>
                                             <a:cs typeface="+mn-cs"/>
                                           </a:rPr>
@@ -7937,7 +9989,7 @@
                                               <a:schemeClr val="dk1"/>
                                             </a:solidFill>
                                             <a:effectLst/>
-                                            <a:latin typeface="+mn-lt"/>
+                                            <a:latin typeface="Cambria Math" panose="02040503050406030204" pitchFamily="18" charset="0"/>
                                             <a:ea typeface="+mn-ea"/>
                                             <a:cs typeface="+mn-cs"/>
                                           </a:rPr>
@@ -7952,7 +10004,7 @@
                                               <a:schemeClr val="dk1"/>
                                             </a:solidFill>
                                             <a:effectLst/>
-                                            <a:latin typeface="+mn-lt"/>
+                                            <a:latin typeface="Cambria Math" panose="02040503050406030204" pitchFamily="18" charset="0"/>
                                             <a:ea typeface="+mn-ea"/>
                                             <a:cs typeface="+mn-cs"/>
                                           </a:rPr>
@@ -7964,7 +10016,7 @@
                                               <a:schemeClr val="dk1"/>
                                             </a:solidFill>
                                             <a:effectLst/>
-                                            <a:latin typeface="+mn-lt"/>
+                                            <a:latin typeface="Cambria Math" panose="02040503050406030204" pitchFamily="18" charset="0"/>
                                             <a:ea typeface="+mn-ea"/>
                                             <a:cs typeface="+mn-cs"/>
                                           </a:rPr>
@@ -7976,7 +10028,7 @@
                                               <a:schemeClr val="dk1"/>
                                             </a:solidFill>
                                             <a:effectLst/>
-                                            <a:latin typeface="+mn-lt"/>
+                                            <a:latin typeface="Cambria Math" panose="02040503050406030204" pitchFamily="18" charset="0"/>
                                             <a:ea typeface="+mn-ea"/>
                                             <a:cs typeface="+mn-cs"/>
                                           </a:rPr>
@@ -7991,7 +10043,7 @@
                                               <a:schemeClr val="dk1"/>
                                             </a:solidFill>
                                             <a:effectLst/>
-                                            <a:latin typeface="+mn-lt"/>
+                                            <a:latin typeface="Cambria Math" panose="02040503050406030204" pitchFamily="18" charset="0"/>
                                             <a:ea typeface="+mn-ea"/>
                                             <a:cs typeface="+mn-cs"/>
                                           </a:rPr>
@@ -8003,7 +10055,7 @@
                                               <a:schemeClr val="dk1"/>
                                             </a:solidFill>
                                             <a:effectLst/>
-                                            <a:latin typeface="+mn-lt"/>
+                                            <a:latin typeface="Cambria Math" panose="02040503050406030204" pitchFamily="18" charset="0"/>
                                             <a:ea typeface="+mn-ea"/>
                                             <a:cs typeface="+mn-cs"/>
                                           </a:rPr>
@@ -8084,6 +10136,388 @@
                       <a:txBody>
                         <a:bodyPr/>
                         <a:lstStyle/>
+                        <a:p>
+                          <a:pPr marL="0" marR="0" lvl="0" indent="0" algn="l" defTabSz="914400" rtl="0" eaLnBrk="1" fontAlgn="auto" latinLnBrk="0" hangingPunct="1">
+                            <a:lnSpc>
+                              <a:spcPct val="100000"/>
+                            </a:lnSpc>
+                            <a:spcBef>
+                              <a:spcPts val="0"/>
+                            </a:spcBef>
+                            <a:spcAft>
+                              <a:spcPts val="0"/>
+                            </a:spcAft>
+                            <a:buClrTx/>
+                            <a:buSzTx/>
+                            <a:buFontTx/>
+                            <a:buNone/>
+                            <a:tabLst/>
+                            <a:defRPr/>
+                          </a:pPr>
+                          <a14:m>
+                            <m:oMathPara xmlns:m="http://schemas.openxmlformats.org/officeDocument/2006/math">
+                              <m:oMathParaPr>
+                                <m:jc m:val="centerGroup"/>
+                              </m:oMathParaPr>
+                              <m:oMath xmlns:m="http://schemas.openxmlformats.org/officeDocument/2006/math">
+                                <m:r>
+                                  <m:rPr>
+                                    <m:sty m:val="p"/>
+                                  </m:rPr>
+                                  <a:rPr lang="en-US" altLang="zh-TW" sz="1800" kern="1200" smtClean="0">
+                                    <a:solidFill>
+                                      <a:schemeClr val="dk1"/>
+                                    </a:solidFill>
+                                    <a:effectLst/>
+                                    <a:latin typeface="Cambria Math" panose="02040503050406030204" pitchFamily="18" charset="0"/>
+                                    <a:ea typeface="+mn-ea"/>
+                                    <a:cs typeface="+mn-cs"/>
+                                  </a:rPr>
+                                  <m:t>ψ</m:t>
+                                </m:r>
+                                <m:r>
+                                  <a:rPr lang="en-US" altLang="zh-TW" sz="1800" kern="1200" smtClean="0">
+                                    <a:solidFill>
+                                      <a:schemeClr val="dk1"/>
+                                    </a:solidFill>
+                                    <a:effectLst/>
+                                    <a:latin typeface="Cambria Math" panose="02040503050406030204" pitchFamily="18" charset="0"/>
+                                    <a:ea typeface="+mn-ea"/>
+                                    <a:cs typeface="+mn-cs"/>
+                                  </a:rPr>
+                                  <m:t>= </m:t>
+                                </m:r>
+                                <m:func>
+                                  <m:funcPr>
+                                    <m:ctrlPr>
+                                      <a:rPr lang="zh-TW" altLang="zh-TW" sz="1800" i="1" kern="1200">
+                                        <a:solidFill>
+                                          <a:schemeClr val="dk1"/>
+                                        </a:solidFill>
+                                        <a:effectLst/>
+                                        <a:latin typeface="Cambria Math" panose="02040503050406030204" pitchFamily="18" charset="0"/>
+                                        <a:ea typeface="+mn-ea"/>
+                                        <a:cs typeface="+mn-cs"/>
+                                      </a:rPr>
+                                    </m:ctrlPr>
+                                  </m:funcPr>
+                                  <m:fName>
+                                    <m:sSup>
+                                      <m:sSupPr>
+                                        <m:ctrlPr>
+                                          <a:rPr lang="zh-TW" altLang="zh-TW" sz="1800" i="1" kern="1200">
+                                            <a:solidFill>
+                                              <a:schemeClr val="dk1"/>
+                                            </a:solidFill>
+                                            <a:effectLst/>
+                                            <a:latin typeface="Cambria Math" panose="02040503050406030204" pitchFamily="18" charset="0"/>
+                                            <a:ea typeface="+mn-ea"/>
+                                            <a:cs typeface="+mn-cs"/>
+                                          </a:rPr>
+                                        </m:ctrlPr>
+                                      </m:sSupPr>
+                                      <m:e>
+                                        <m:r>
+                                          <m:rPr>
+                                            <m:sty m:val="p"/>
+                                          </m:rPr>
+                                          <a:rPr lang="en-US" altLang="zh-TW" sz="1800" kern="1200">
+                                            <a:solidFill>
+                                              <a:schemeClr val="dk1"/>
+                                            </a:solidFill>
+                                            <a:effectLst/>
+                                            <a:latin typeface="Cambria Math" panose="02040503050406030204" pitchFamily="18" charset="0"/>
+                                            <a:ea typeface="+mn-ea"/>
+                                            <a:cs typeface="+mn-cs"/>
+                                          </a:rPr>
+                                          <m:t>tan</m:t>
+                                        </m:r>
+                                      </m:e>
+                                      <m:sup>
+                                        <m:r>
+                                          <a:rPr lang="en-US" altLang="zh-TW" sz="1800" i="1" kern="1200">
+                                            <a:solidFill>
+                                              <a:schemeClr val="dk1"/>
+                                            </a:solidFill>
+                                            <a:effectLst/>
+                                            <a:latin typeface="Cambria Math" panose="02040503050406030204" pitchFamily="18" charset="0"/>
+                                            <a:ea typeface="+mn-ea"/>
+                                            <a:cs typeface="+mn-cs"/>
+                                          </a:rPr>
+                                          <m:t>−</m:t>
+                                        </m:r>
+                                        <m:r>
+                                          <a:rPr lang="en-US" altLang="zh-TW" sz="1800" kern="1200">
+                                            <a:solidFill>
+                                              <a:schemeClr val="dk1"/>
+                                            </a:solidFill>
+                                            <a:effectLst/>
+                                            <a:latin typeface="Cambria Math" panose="02040503050406030204" pitchFamily="18" charset="0"/>
+                                            <a:ea typeface="+mn-ea"/>
+                                            <a:cs typeface="+mn-cs"/>
+                                          </a:rPr>
+                                          <m:t>1</m:t>
+                                        </m:r>
+                                      </m:sup>
+                                    </m:sSup>
+                                  </m:fName>
+                                  <m:e>
+                                    <m:f>
+                                      <m:fPr>
+                                        <m:ctrlPr>
+                                          <a:rPr lang="zh-TW" altLang="zh-TW" sz="1800" i="1" kern="1200">
+                                            <a:solidFill>
+                                              <a:schemeClr val="dk1"/>
+                                            </a:solidFill>
+                                            <a:effectLst/>
+                                            <a:latin typeface="Cambria Math" panose="02040503050406030204" pitchFamily="18" charset="0"/>
+                                            <a:ea typeface="+mn-ea"/>
+                                            <a:cs typeface="+mn-cs"/>
+                                          </a:rPr>
+                                        </m:ctrlPr>
+                                      </m:fPr>
+                                      <m:num>
+                                        <m:r>
+                                          <a:rPr lang="en-US" altLang="zh-TW" sz="1800" b="0" i="1" kern="1200" smtClean="0">
+                                            <a:solidFill>
+                                              <a:schemeClr val="dk1"/>
+                                            </a:solidFill>
+                                            <a:effectLst/>
+                                            <a:latin typeface="Cambria Math" panose="02040503050406030204" pitchFamily="18" charset="0"/>
+                                            <a:ea typeface="+mn-ea"/>
+                                            <a:cs typeface="+mn-cs"/>
+                                          </a:rPr>
+                                          <m:t>−</m:t>
+                                        </m:r>
+                                        <m:r>
+                                          <m:rPr>
+                                            <m:sty m:val="p"/>
+                                          </m:rPr>
+                                          <a:rPr lang="en-US" altLang="zh-TW" sz="1800" kern="1200">
+                                            <a:solidFill>
+                                              <a:schemeClr val="dk1"/>
+                                            </a:solidFill>
+                                            <a:effectLst/>
+                                            <a:latin typeface="Cambria Math" panose="02040503050406030204" pitchFamily="18" charset="0"/>
+                                            <a:ea typeface="+mn-ea"/>
+                                            <a:cs typeface="+mn-cs"/>
+                                          </a:rPr>
+                                          <m:t>sin</m:t>
+                                        </m:r>
+                                        <m:r>
+                                          <a:rPr lang="en-US" altLang="zh-TW" sz="1800" kern="1200">
+                                            <a:solidFill>
+                                              <a:schemeClr val="dk1"/>
+                                            </a:solidFill>
+                                            <a:effectLst/>
+                                            <a:latin typeface="Cambria Math" panose="02040503050406030204" pitchFamily="18" charset="0"/>
+                                            <a:ea typeface="+mn-ea"/>
+                                            <a:cs typeface="+mn-cs"/>
+                                          </a:rPr>
+                                          <m:t>((1</m:t>
+                                        </m:r>
+                                        <m:r>
+                                          <a:rPr lang="en-US" altLang="zh-TW" sz="1800" b="0" i="1" kern="1200" smtClean="0">
+                                            <a:solidFill>
+                                              <a:schemeClr val="dk1"/>
+                                            </a:solidFill>
+                                            <a:effectLst/>
+                                            <a:latin typeface="Cambria Math" panose="02040503050406030204" pitchFamily="18" charset="0"/>
+                                            <a:ea typeface="+mn-ea"/>
+                                            <a:cs typeface="+mn-cs"/>
+                                          </a:rPr>
+                                          <m:t>+</m:t>
+                                        </m:r>
+                                        <m:r>
+                                          <m:rPr>
+                                            <m:sty m:val="p"/>
+                                          </m:rPr>
+                                          <a:rPr lang="en-US" altLang="zh-TW" sz="1800" kern="1200">
+                                            <a:solidFill>
+                                              <a:schemeClr val="dk1"/>
+                                            </a:solidFill>
+                                            <a:effectLst/>
+                                            <a:latin typeface="Cambria Math" panose="02040503050406030204" pitchFamily="18" charset="0"/>
+                                            <a:ea typeface="+mn-ea"/>
+                                            <a:cs typeface="+mn-cs"/>
+                                          </a:rPr>
+                                          <m:t>N</m:t>
+                                        </m:r>
+                                        <m:r>
+                                          <a:rPr lang="en-US" altLang="zh-TW" sz="1800" kern="1200">
+                                            <a:solidFill>
+                                              <a:schemeClr val="dk1"/>
+                                            </a:solidFill>
+                                            <a:effectLst/>
+                                            <a:latin typeface="Cambria Math" panose="02040503050406030204" pitchFamily="18" charset="0"/>
+                                            <a:ea typeface="+mn-ea"/>
+                                            <a:cs typeface="+mn-cs"/>
+                                          </a:rPr>
+                                          <m:t>)∅)</m:t>
+                                        </m:r>
+                                      </m:num>
+                                      <m:den>
+                                        <m:r>
+                                          <a:rPr lang="en-US" altLang="zh-TW" sz="1800" kern="1200">
+                                            <a:solidFill>
+                                              <a:schemeClr val="dk1"/>
+                                            </a:solidFill>
+                                            <a:effectLst/>
+                                            <a:latin typeface="Cambria Math" panose="02040503050406030204" pitchFamily="18" charset="0"/>
+                                            <a:ea typeface="+mn-ea"/>
+                                            <a:cs typeface="+mn-cs"/>
+                                          </a:rPr>
+                                          <m:t>((</m:t>
+                                        </m:r>
+                                        <m:r>
+                                          <m:rPr>
+                                            <m:sty m:val="p"/>
+                                          </m:rPr>
+                                          <a:rPr lang="en-US" altLang="zh-TW" sz="1800" kern="1200">
+                                            <a:solidFill>
+                                              <a:schemeClr val="dk1"/>
+                                            </a:solidFill>
+                                            <a:effectLst/>
+                                            <a:latin typeface="Cambria Math" panose="02040503050406030204" pitchFamily="18" charset="0"/>
+                                            <a:ea typeface="+mn-ea"/>
+                                            <a:cs typeface="+mn-cs"/>
+                                          </a:rPr>
+                                          <m:t>R</m:t>
+                                        </m:r>
+                                        <m:r>
+                                          <a:rPr lang="en-US" altLang="zh-TW" sz="1800" kern="1200">
+                                            <a:solidFill>
+                                              <a:schemeClr val="dk1"/>
+                                            </a:solidFill>
+                                            <a:effectLst/>
+                                            <a:latin typeface="Cambria Math" panose="02040503050406030204" pitchFamily="18" charset="0"/>
+                                            <a:ea typeface="+mn-ea"/>
+                                            <a:cs typeface="+mn-cs"/>
+                                          </a:rPr>
+                                          <m:t>/(</m:t>
+                                        </m:r>
+                                        <m:r>
+                                          <m:rPr>
+                                            <m:sty m:val="p"/>
+                                          </m:rPr>
+                                          <a:rPr lang="en-US" altLang="zh-TW" sz="1800" kern="1200">
+                                            <a:solidFill>
+                                              <a:schemeClr val="dk1"/>
+                                            </a:solidFill>
+                                            <a:effectLst/>
+                                            <a:latin typeface="Cambria Math" panose="02040503050406030204" pitchFamily="18" charset="0"/>
+                                            <a:ea typeface="+mn-ea"/>
+                                            <a:cs typeface="+mn-cs"/>
+                                          </a:rPr>
+                                          <m:t>EN</m:t>
+                                        </m:r>
+                                        <m:r>
+                                          <a:rPr lang="en-US" altLang="zh-TW" sz="1800" kern="1200">
+                                            <a:solidFill>
+                                              <a:schemeClr val="dk1"/>
+                                            </a:solidFill>
+                                            <a:effectLst/>
+                                            <a:latin typeface="Cambria Math" panose="02040503050406030204" pitchFamily="18" charset="0"/>
+                                            <a:ea typeface="+mn-ea"/>
+                                            <a:cs typeface="+mn-cs"/>
+                                          </a:rPr>
+                                          <m:t>))</m:t>
+                                        </m:r>
+                                        <m:r>
+                                          <a:rPr lang="en-US" altLang="zh-TW" sz="1800" i="1" kern="1200">
+                                            <a:solidFill>
+                                              <a:schemeClr val="dk1"/>
+                                            </a:solidFill>
+                                            <a:effectLst/>
+                                            <a:latin typeface="Cambria Math" panose="02040503050406030204" pitchFamily="18" charset="0"/>
+                                            <a:ea typeface="+mn-ea"/>
+                                            <a:cs typeface="+mn-cs"/>
+                                          </a:rPr>
+                                          <m:t>−</m:t>
+                                        </m:r>
+                                        <m:r>
+                                          <m:rPr>
+                                            <m:sty m:val="p"/>
+                                          </m:rPr>
+                                          <a:rPr lang="en-US" altLang="zh-TW" sz="1800" kern="1200">
+                                            <a:solidFill>
+                                              <a:schemeClr val="dk1"/>
+                                            </a:solidFill>
+                                            <a:effectLst/>
+                                            <a:latin typeface="Cambria Math" panose="02040503050406030204" pitchFamily="18" charset="0"/>
+                                            <a:ea typeface="+mn-ea"/>
+                                            <a:cs typeface="+mn-cs"/>
+                                          </a:rPr>
+                                          <m:t>cos</m:t>
+                                        </m:r>
+                                        <m:r>
+                                          <a:rPr lang="en-US" altLang="zh-TW" sz="1800" kern="1200">
+                                            <a:solidFill>
+                                              <a:schemeClr val="dk1"/>
+                                            </a:solidFill>
+                                            <a:effectLst/>
+                                            <a:latin typeface="Cambria Math" panose="02040503050406030204" pitchFamily="18" charset="0"/>
+                                            <a:ea typeface="+mn-ea"/>
+                                            <a:cs typeface="+mn-cs"/>
+                                          </a:rPr>
+                                          <m:t>((1</m:t>
+                                        </m:r>
+                                        <m:r>
+                                          <a:rPr lang="en-US" altLang="zh-TW" sz="1800" b="0" i="1" kern="1200" smtClean="0">
+                                            <a:solidFill>
+                                              <a:schemeClr val="dk1"/>
+                                            </a:solidFill>
+                                            <a:effectLst/>
+                                            <a:latin typeface="Cambria Math" panose="02040503050406030204" pitchFamily="18" charset="0"/>
+                                            <a:ea typeface="+mn-ea"/>
+                                            <a:cs typeface="+mn-cs"/>
+                                          </a:rPr>
+                                          <m:t>+</m:t>
+                                        </m:r>
+                                        <m:r>
+                                          <m:rPr>
+                                            <m:sty m:val="p"/>
+                                          </m:rPr>
+                                          <a:rPr lang="en-US" altLang="zh-TW" sz="1800" kern="1200">
+                                            <a:solidFill>
+                                              <a:schemeClr val="dk1"/>
+                                            </a:solidFill>
+                                            <a:effectLst/>
+                                            <a:latin typeface="Cambria Math" panose="02040503050406030204" pitchFamily="18" charset="0"/>
+                                            <a:ea typeface="+mn-ea"/>
+                                            <a:cs typeface="+mn-cs"/>
+                                          </a:rPr>
+                                          <m:t>N</m:t>
+                                        </m:r>
+                                        <m:r>
+                                          <a:rPr lang="en-US" altLang="zh-TW" sz="1800" kern="1200">
+                                            <a:solidFill>
+                                              <a:schemeClr val="dk1"/>
+                                            </a:solidFill>
+                                            <a:effectLst/>
+                                            <a:latin typeface="Cambria Math" panose="02040503050406030204" pitchFamily="18" charset="0"/>
+                                            <a:ea typeface="+mn-ea"/>
+                                            <a:cs typeface="+mn-cs"/>
+                                          </a:rPr>
+                                          <m:t>) ∅))</m:t>
+                                        </m:r>
+                                      </m:den>
+                                    </m:f>
+                                  </m:e>
+                                </m:func>
+                              </m:oMath>
+                            </m:oMathPara>
+                          </a14:m>
+                          <a:endParaRPr lang="zh-TW" altLang="zh-TW" sz="1800" kern="1200" dirty="0">
+                            <a:solidFill>
+                              <a:schemeClr val="dk1"/>
+                            </a:solidFill>
+                            <a:effectLst/>
+                            <a:latin typeface="+mn-lt"/>
+                            <a:ea typeface="+mn-ea"/>
+                            <a:cs typeface="+mn-cs"/>
+                          </a:endParaRPr>
+                        </a:p>
                         <a:p>
                           <a:endParaRPr lang="zh-TW" altLang="en-US" dirty="0"/>
                         </a:p>
@@ -8166,14 +10600,14 @@
                 <p:ph idx="1"/>
                 <p:extLst>
                   <p:ext uri="{D42A27DB-BD31-4B8C-83A1-F6EECF244321}">
-                    <p14:modId xmlns:p14="http://schemas.microsoft.com/office/powerpoint/2010/main" val="3638910928"/>
+                    <p14:modId xmlns:p14="http://schemas.microsoft.com/office/powerpoint/2010/main" val="3126672980"/>
                   </p:ext>
                 </p:extLst>
               </p:nvPr>
             </p:nvGraphicFramePr>
             <p:xfrm>
               <a:off x="838200" y="1136346"/>
-              <a:ext cx="10515600" cy="5747796"/>
+              <a:ext cx="10515600" cy="5444321"/>
             </p:xfrm>
             <a:graphic>
               <a:graphicData uri="http://schemas.openxmlformats.org/drawingml/2006/table">
@@ -8211,8 +10645,8 @@
                       </a:extLst>
                     </a:gridCol>
                   </a:tblGrid>
-                  <a:tr h="1005840">
-                    <a:tc>
+                  <a:tr h="702365">
+                    <a:tc gridSpan="2">
                       <a:txBody>
                         <a:bodyPr/>
                         <a:lstStyle/>
@@ -8272,19 +10706,11 @@
                         <a:noFill/>
                       </a:tcPr>
                     </a:tc>
-                    <a:tc>
+                    <a:tc hMerge="1">
                       <a:txBody>
                         <a:bodyPr/>
                         <a:lstStyle/>
                         <a:p>
-                          <a:r>
-                            <a:rPr lang="en-US" altLang="zh-TW" sz="2000" dirty="0">
-                              <a:solidFill>
-                                <a:schemeClr val="tx1"/>
-                              </a:solidFill>
-                            </a:rPr>
-                            <a:t>Rotating ring gear type epicycloid reducer</a:t>
-                          </a:r>
                           <a:endParaRPr lang="zh-TW" altLang="en-US" sz="2000" dirty="0">
                             <a:solidFill>
                               <a:schemeClr val="tx1"/>
@@ -8332,7 +10758,7 @@
                         <a:noFill/>
                       </a:tcPr>
                     </a:tc>
-                    <a:tc>
+                    <a:tc gridSpan="2">
                       <a:txBody>
                         <a:bodyPr/>
                         <a:lstStyle/>
@@ -8392,19 +10818,11 @@
                         <a:noFill/>
                       </a:tcPr>
                     </a:tc>
-                    <a:tc>
+                    <a:tc hMerge="1">
                       <a:txBody>
                         <a:bodyPr/>
                         <a:lstStyle/>
                         <a:p>
-                          <a:r>
-                            <a:rPr lang="en-US" altLang="zh-TW" sz="2000" dirty="0">
-                              <a:solidFill>
-                                <a:schemeClr val="tx1"/>
-                              </a:solidFill>
-                            </a:rPr>
-                            <a:t>Rotating ring gear type hypocycloid reducer</a:t>
-                          </a:r>
                           <a:endParaRPr lang="zh-TW" altLang="en-US" sz="2000" dirty="0">
                             <a:solidFill>
                               <a:schemeClr val="tx1"/>
@@ -8464,12 +10882,7 @@
                         <a:bodyPr/>
                         <a:lstStyle/>
                         <a:p>
-                          <a:pPr/>
-                          <a:endParaRPr lang="zh-TW" altLang="en-US" dirty="0">
-                            <a:solidFill>
-                              <a:schemeClr val="tx1"/>
-                            </a:solidFill>
-                          </a:endParaRPr>
+                          <a:endParaRPr lang="zh-TW"/>
                         </a:p>
                       </a:txBody>
                       <a:tcPr>
@@ -8509,7 +10922,12 @@
                           <a:headEnd type="none" w="med" len="med"/>
                           <a:tailEnd type="none" w="med" len="med"/>
                         </a:lnB>
-                        <a:noFill/>
+                        <a:blipFill>
+                          <a:blip r:embed="rId2"/>
+                          <a:stretch>
+                            <a:fillRect l="-231" t="-103448" r="-300000" b="-573276"/>
+                          </a:stretch>
+                        </a:blipFill>
                       </a:tcPr>
                     </a:tc>
                     <a:tc>
@@ -8517,12 +10935,7 @@
                         <a:bodyPr/>
                         <a:lstStyle/>
                         <a:p>
-                          <a:pPr/>
-                          <a:endParaRPr lang="zh-TW" altLang="en-US" dirty="0">
-                            <a:solidFill>
-                              <a:schemeClr val="tx1"/>
-                            </a:solidFill>
-                          </a:endParaRPr>
+                          <a:endParaRPr lang="zh-TW"/>
                         </a:p>
                       </a:txBody>
                       <a:tcPr>
@@ -8562,7 +10975,12 @@
                           <a:headEnd type="none" w="med" len="med"/>
                           <a:tailEnd type="none" w="med" len="med"/>
                         </a:lnB>
-                        <a:noFill/>
+                        <a:blipFill>
+                          <a:blip r:embed="rId2"/>
+                          <a:stretch>
+                            <a:fillRect l="-100464" t="-103448" r="-200696" b="-573276"/>
+                          </a:stretch>
+                        </a:blipFill>
                       </a:tcPr>
                     </a:tc>
                     <a:tc>
@@ -8570,12 +10988,7 @@
                         <a:bodyPr/>
                         <a:lstStyle/>
                         <a:p>
-                          <a:pPr/>
-                          <a:endParaRPr lang="zh-TW" altLang="en-US" dirty="0">
-                            <a:solidFill>
-                              <a:schemeClr val="tx1"/>
-                            </a:solidFill>
-                          </a:endParaRPr>
+                          <a:endParaRPr lang="zh-TW"/>
                         </a:p>
                       </a:txBody>
                       <a:tcPr>
@@ -8615,7 +11028,12 @@
                           <a:headEnd type="none" w="med" len="med"/>
                           <a:tailEnd type="none" w="med" len="med"/>
                         </a:lnB>
-                        <a:noFill/>
+                        <a:blipFill>
+                          <a:blip r:embed="rId2"/>
+                          <a:stretch>
+                            <a:fillRect l="-200000" t="-103448" r="-100231" b="-573276"/>
+                          </a:stretch>
+                        </a:blipFill>
                       </a:tcPr>
                     </a:tc>
                     <a:tc>
@@ -8623,12 +11041,7 @@
                         <a:bodyPr/>
                         <a:lstStyle/>
                         <a:p>
-                          <a:pPr/>
-                          <a:endParaRPr lang="zh-TW" altLang="en-US" dirty="0">
-                            <a:solidFill>
-                              <a:schemeClr val="tx1"/>
-                            </a:solidFill>
-                          </a:endParaRPr>
+                          <a:endParaRPr lang="zh-TW"/>
                         </a:p>
                       </a:txBody>
                       <a:tcPr>
@@ -8668,7 +11081,12 @@
                           <a:headEnd type="none" w="med" len="med"/>
                           <a:tailEnd type="none" w="med" len="med"/>
                         </a:lnB>
-                        <a:noFill/>
+                        <a:blipFill>
+                          <a:blip r:embed="rId2"/>
+                          <a:stretch>
+                            <a:fillRect l="-300696" t="-103448" r="-464" b="-573276"/>
+                          </a:stretch>
+                        </a:blipFill>
                       </a:tcPr>
                     </a:tc>
                     <a:extLst>
@@ -8726,7 +11144,7 @@
                         <a:blipFill>
                           <a:blip r:embed="rId2"/>
                           <a:stretch>
-                            <a:fillRect l="-116" t="-148187" r="-100232" b="-244560"/>
+                            <a:fillRect l="-116" t="-122280" r="-100232" b="-244560"/>
                           </a:stretch>
                         </a:blipFill>
                       </a:tcPr>
@@ -8746,7 +11164,7 @@
                         <a:bodyPr/>
                         <a:lstStyle/>
                         <a:p>
-                          <a:endParaRPr lang="zh-TW" altLang="en-US" dirty="0"/>
+                          <a:endParaRPr lang="zh-TW"/>
                         </a:p>
                       </a:txBody>
                       <a:tcPr>
@@ -8786,7 +11204,12 @@
                           <a:headEnd type="none" w="med" len="med"/>
                           <a:tailEnd type="none" w="med" len="med"/>
                         </a:lnB>
-                        <a:noFill/>
+                        <a:blipFill>
+                          <a:blip r:embed="rId2"/>
+                          <a:stretch>
+                            <a:fillRect l="-100116" t="-122280" r="-232" b="-244560"/>
+                          </a:stretch>
+                        </a:blipFill>
                       </a:tcPr>
                     </a:tc>
                     <a:tc hMerge="1">
@@ -8854,7 +11277,7 @@
                         <a:blipFill>
                           <a:blip r:embed="rId2"/>
                           <a:stretch>
-                            <a:fillRect l="-116" t="-203830" r="-100232" b="-100851"/>
+                            <a:fillRect l="-116" t="-182553" r="-100232" b="-100851"/>
                           </a:stretch>
                         </a:blipFill>
                       </a:tcPr>
@@ -8874,7 +11297,7 @@
                         <a:bodyPr/>
                         <a:lstStyle/>
                         <a:p>
-                          <a:endParaRPr lang="zh-TW" altLang="en-US" dirty="0"/>
+                          <a:endParaRPr lang="zh-TW"/>
                         </a:p>
                       </a:txBody>
                       <a:tcPr>
@@ -8914,7 +11337,12 @@
                           <a:headEnd type="none" w="med" len="med"/>
                           <a:tailEnd type="none" w="med" len="med"/>
                         </a:lnB>
-                        <a:noFill/>
+                        <a:blipFill>
+                          <a:blip r:embed="rId2"/>
+                          <a:stretch>
+                            <a:fillRect l="-100116" t="-182553" r="-232" b="-100851"/>
+                          </a:stretch>
+                        </a:blipFill>
                       </a:tcPr>
                     </a:tc>
                     <a:tc hMerge="1">
@@ -8982,7 +11410,7 @@
                         <a:blipFill>
                           <a:blip r:embed="rId2"/>
                           <a:stretch>
-                            <a:fillRect l="-116" t="-303830" r="-100232" b="-851"/>
+                            <a:fillRect l="-116" t="-282553" r="-100232" b="-851"/>
                           </a:stretch>
                         </a:blipFill>
                       </a:tcPr>
@@ -9002,7 +11430,7 @@
                         <a:bodyPr/>
                         <a:lstStyle/>
                         <a:p>
-                          <a:endParaRPr lang="zh-TW" altLang="en-US" dirty="0"/>
+                          <a:endParaRPr lang="zh-TW"/>
                         </a:p>
                       </a:txBody>
                       <a:tcPr>
@@ -9042,7 +11470,12 @@
                           <a:headEnd type="none" w="med" len="med"/>
                           <a:tailEnd type="none" w="med" len="med"/>
                         </a:lnB>
-                        <a:noFill/>
+                        <a:blipFill>
+                          <a:blip r:embed="rId2"/>
+                          <a:stretch>
+                            <a:fillRect l="-100116" t="-282553" r="-232" b="-851"/>
+                          </a:stretch>
+                        </a:blipFill>
                       </a:tcPr>
                     </a:tc>
                     <a:tc hMerge="1">
